--- a/ppt/04-IoC.pptx
+++ b/ppt/04-IoC.pptx
@@ -545,7 +545,7 @@
         <p:nvSpPr>
           <p:cNvPr id="2052" name="Rectangle 4"/>
           <p:cNvSpPr>
-            <a:spLocks noChangeArrowheads="1" noTextEdit="1"/>
+            <a:spLocks noGrp="1" noRot="1" noChangeAspect="1" noChangeArrowheads="1" noTextEdit="1"/>
           </p:cNvSpPr>
           <p:nvPr>
             <p:ph type="sldImg" idx="2"/>
@@ -5331,7 +5331,7 @@
       </p:sp>
       <p:pic>
         <p:nvPicPr>
-          <p:cNvPr id="4099" name="Picture 5" descr="Logo"/>
+          <p:cNvPr id="4" name="Picture 4" descr="Insights from Stackoverflow: Most voted for Spring 4 questions."/>
           <p:cNvPicPr>
             <a:picLocks noChangeAspect="1" noChangeArrowheads="1"/>
           </p:cNvPicPr>
@@ -5352,16 +5352,13 @@
         </p:blipFill>
         <p:spPr bwMode="auto">
           <a:xfrm>
-            <a:off x="3203575" y="1770063"/>
-            <a:ext cx="2559050" cy="720725"/>
+            <a:off x="1691680" y="1371600"/>
+            <a:ext cx="5905500" cy="2514600"/>
           </a:xfrm>
           <a:prstGeom prst="rect">
             <a:avLst/>
           </a:prstGeom>
           <a:noFill/>
-          <a:ln>
-            <a:noFill/>
-          </a:ln>
           <a:extLst>
             <a:ext uri="{909E8E84-426E-40DD-AFC4-6F175D3DCCD1}">
               <a14:hiddenFill xmlns:a14="http://schemas.microsoft.com/office/drawing/2010/main">
@@ -5369,16 +5366,6 @@
                   <a:srgbClr val="FFFFFF"/>
                 </a:solidFill>
               </a14:hiddenFill>
-            </a:ext>
-            <a:ext uri="{91240B29-F687-4F45-9708-019B960494DF}">
-              <a14:hiddenLine xmlns:a14="http://schemas.microsoft.com/office/drawing/2010/main" w="9525">
-                <a:solidFill>
-                  <a:srgbClr val="000000"/>
-                </a:solidFill>
-                <a:miter lim="800000"/>
-                <a:headEnd/>
-                <a:tailEnd/>
-              </a14:hiddenLine>
             </a:ext>
           </a:extLst>
         </p:spPr>

--- a/ppt/04-IoC.pptx
+++ b/ppt/04-IoC.pptx
@@ -415,6 +415,11 @@
         </p:txBody>
       </p:sp>
     </p:spTree>
+    <p:extLst>
+      <p:ext uri="{BB962C8B-B14F-4D97-AF65-F5344CB8AC3E}">
+        <p14:creationId xmlns:p14="http://schemas.microsoft.com/office/powerpoint/2010/main" val="1"/>
+      </p:ext>
+    </p:extLst>
   </p:cSld>
   <p:clrMap bg1="lt1" tx1="dk1" bg2="lt2" tx2="dk2" accent1="accent1" accent2="accent2" accent3="accent3" accent4="accent4" accent5="accent5" accent6="accent6" hlink="hlink" folHlink="folHlink"/>
 </p:handoutMaster>
@@ -616,35 +621,35 @@
           <a:p>
             <a:pPr lvl="0"/>
             <a:r>
-              <a:rPr lang="fr-FR" noProof="0" smtClean="0"/>
+              <a:rPr lang="fr-FR" noProof="0"/>
               <a:t>Cliquez pour modifier les styles du texte du masque</a:t>
             </a:r>
           </a:p>
           <a:p>
             <a:pPr lvl="1"/>
             <a:r>
-              <a:rPr lang="fr-FR" noProof="0" smtClean="0"/>
+              <a:rPr lang="fr-FR" noProof="0"/>
               <a:t>Deuxième niveau</a:t>
             </a:r>
           </a:p>
           <a:p>
             <a:pPr lvl="2"/>
             <a:r>
-              <a:rPr lang="fr-FR" noProof="0" smtClean="0"/>
+              <a:rPr lang="fr-FR" noProof="0"/>
               <a:t>Troisième niveau</a:t>
             </a:r>
           </a:p>
           <a:p>
             <a:pPr lvl="3"/>
             <a:r>
-              <a:rPr lang="fr-FR" noProof="0" smtClean="0"/>
+              <a:rPr lang="fr-FR" noProof="0"/>
               <a:t>Quatrième niveau</a:t>
             </a:r>
           </a:p>
           <a:p>
             <a:pPr lvl="4"/>
             <a:r>
-              <a:rPr lang="fr-FR" noProof="0" smtClean="0"/>
+              <a:rPr lang="fr-FR" noProof="0"/>
               <a:t>Cinquième niveau</a:t>
             </a:r>
           </a:p>
@@ -964,7 +969,7 @@
           <a:lstStyle/>
           <a:p>
             <a:r>
-              <a:rPr lang="en-US" altLang="fr-FR" smtClean="0">
+              <a:rPr lang="en-US" altLang="fr-FR">
                 <a:latin typeface="Arial" panose="020B0604020202020204" pitchFamily="34" charset="0"/>
                 <a:cs typeface="Arial" panose="020B0604020202020204" pitchFamily="34" charset="0"/>
               </a:rPr>
@@ -973,7 +978,7 @@
           </a:p>
           <a:p>
             <a:r>
-              <a:rPr lang="en-US" altLang="fr-FR" smtClean="0">
+              <a:rPr lang="en-US" altLang="fr-FR">
                 <a:latin typeface="Arial" panose="020B0604020202020204" pitchFamily="34" charset="0"/>
                 <a:cs typeface="Arial" panose="020B0604020202020204" pitchFamily="34" charset="0"/>
               </a:rPr>
@@ -981,7 +986,7 @@
             </a:r>
           </a:p>
           <a:p>
-            <a:endParaRPr lang="en-US" altLang="fr-FR" smtClean="0">
+            <a:endParaRPr lang="en-US" altLang="fr-FR">
               <a:latin typeface="Arial" panose="020B0604020202020204" pitchFamily="34" charset="0"/>
               <a:cs typeface="Arial" panose="020B0604020202020204" pitchFamily="34" charset="0"/>
             </a:endParaRPr>
@@ -1073,7 +1078,7 @@
           <a:lstStyle/>
           <a:p>
             <a:r>
-              <a:rPr lang="en-US" altLang="fr-FR" smtClean="0">
+              <a:rPr lang="en-US" altLang="fr-FR">
                 <a:latin typeface="Arial" panose="020B0604020202020204" pitchFamily="34" charset="0"/>
                 <a:cs typeface="Arial" panose="020B0604020202020204" pitchFamily="34" charset="0"/>
               </a:rPr>
@@ -1081,13 +1086,13 @@
             </a:r>
           </a:p>
           <a:p>
-            <a:endParaRPr lang="en-US" altLang="fr-FR" smtClean="0">
+            <a:endParaRPr lang="en-US" altLang="fr-FR">
               <a:latin typeface="Arial" panose="020B0604020202020204" pitchFamily="34" charset="0"/>
               <a:cs typeface="Arial" panose="020B0604020202020204" pitchFamily="34" charset="0"/>
             </a:endParaRPr>
           </a:p>
           <a:p>
-            <a:endParaRPr lang="en-US" altLang="fr-FR" smtClean="0">
+            <a:endParaRPr lang="en-US" altLang="fr-FR">
               <a:latin typeface="Arial" panose="020B0604020202020204" pitchFamily="34" charset="0"/>
               <a:cs typeface="Arial" panose="020B0604020202020204" pitchFamily="34" charset="0"/>
             </a:endParaRPr>
@@ -1179,7 +1184,7 @@
           <a:lstStyle/>
           <a:p>
             <a:r>
-              <a:rPr lang="en-US" altLang="fr-FR" smtClean="0">
+              <a:rPr lang="en-US" altLang="fr-FR">
                 <a:latin typeface="Arial" panose="020B0604020202020204" pitchFamily="34" charset="0"/>
                 <a:cs typeface="Arial" panose="020B0604020202020204" pitchFamily="34" charset="0"/>
               </a:rPr>
@@ -1188,13 +1193,13 @@
           </a:p>
           <a:p>
             <a:r>
-              <a:rPr lang="en-CA" altLang="fr-FR" smtClean="0">
+              <a:rPr lang="en-CA" altLang="fr-FR">
                 <a:latin typeface="Arial" panose="020B0604020202020204" pitchFamily="34" charset="0"/>
                 <a:cs typeface="Arial" panose="020B0604020202020204" pitchFamily="34" charset="0"/>
               </a:rPr>
               <a:t>java.beans.Introspector: be familiar with it</a:t>
             </a:r>
-            <a:endParaRPr lang="en-US" altLang="fr-FR" smtClean="0">
+            <a:endParaRPr lang="en-US" altLang="fr-FR">
               <a:latin typeface="Arial" panose="020B0604020202020204" pitchFamily="34" charset="0"/>
               <a:cs typeface="Arial" panose="020B0604020202020204" pitchFamily="34" charset="0"/>
             </a:endParaRPr>
@@ -1286,7 +1291,7 @@
           <a:lstStyle/>
           <a:p>
             <a:r>
-              <a:rPr lang="en-US" altLang="fr-FR" smtClean="0">
+              <a:rPr lang="en-US" altLang="fr-FR">
                 <a:latin typeface="Arial" panose="020B0604020202020204" pitchFamily="34" charset="0"/>
                 <a:cs typeface="Arial" panose="020B0604020202020204" pitchFamily="34" charset="0"/>
               </a:rPr>
@@ -1295,13 +1300,13 @@
           </a:p>
           <a:p>
             <a:r>
-              <a:rPr lang="en-CA" altLang="fr-FR" smtClean="0">
+              <a:rPr lang="en-CA" altLang="fr-FR">
                 <a:latin typeface="Arial" panose="020B0604020202020204" pitchFamily="34" charset="0"/>
                 <a:cs typeface="Arial" panose="020B0604020202020204" pitchFamily="34" charset="0"/>
               </a:rPr>
               <a:t>java.beans.Introspector: be familiar with it</a:t>
             </a:r>
-            <a:endParaRPr lang="en-US" altLang="fr-FR" smtClean="0">
+            <a:endParaRPr lang="en-US" altLang="fr-FR">
               <a:latin typeface="Arial" panose="020B0604020202020204" pitchFamily="34" charset="0"/>
               <a:cs typeface="Arial" panose="020B0604020202020204" pitchFamily="34" charset="0"/>
             </a:endParaRPr>
@@ -1580,14 +1585,14 @@
           <a:bodyPr/>
           <a:lstStyle/>
           <a:p>
-            <a:endParaRPr lang="en-US" altLang="fr-FR" smtClean="0">
+            <a:endParaRPr lang="en-US" altLang="fr-FR">
               <a:latin typeface="Arial" panose="020B0604020202020204" pitchFamily="34" charset="0"/>
               <a:cs typeface="Arial" panose="020B0604020202020204" pitchFamily="34" charset="0"/>
             </a:endParaRPr>
           </a:p>
           <a:p>
             <a:r>
-              <a:rPr lang="en-US" altLang="fr-FR" smtClean="0">
+              <a:rPr lang="en-US" altLang="fr-FR">
                 <a:latin typeface="Arial" panose="020B0604020202020204" pitchFamily="34" charset="0"/>
                 <a:cs typeface="Arial" panose="020B0604020202020204" pitchFamily="34" charset="0"/>
               </a:rPr>
@@ -1868,13 +1873,13 @@
           <a:bodyPr/>
           <a:lstStyle/>
           <a:p>
-            <a:endParaRPr lang="en-US" altLang="fr-FR" smtClean="0">
+            <a:endParaRPr lang="en-US" altLang="fr-FR">
               <a:latin typeface="Arial" panose="020B0604020202020204" pitchFamily="34" charset="0"/>
               <a:cs typeface="Arial" panose="020B0604020202020204" pitchFamily="34" charset="0"/>
             </a:endParaRPr>
           </a:p>
           <a:p>
-            <a:endParaRPr lang="en-US" altLang="fr-FR" smtClean="0">
+            <a:endParaRPr lang="en-US" altLang="fr-FR">
               <a:latin typeface="Arial" panose="020B0604020202020204" pitchFamily="34" charset="0"/>
               <a:cs typeface="Arial" panose="020B0604020202020204" pitchFamily="34" charset="0"/>
             </a:endParaRPr>
@@ -2153,14 +2158,14 @@
           <a:bodyPr/>
           <a:lstStyle/>
           <a:p>
-            <a:endParaRPr lang="en-US" altLang="fr-FR" smtClean="0">
+            <a:endParaRPr lang="en-US" altLang="fr-FR">
               <a:latin typeface="Arial" panose="020B0604020202020204" pitchFamily="34" charset="0"/>
               <a:cs typeface="Arial" panose="020B0604020202020204" pitchFamily="34" charset="0"/>
             </a:endParaRPr>
           </a:p>
           <a:p>
             <a:r>
-              <a:rPr lang="en-US" altLang="fr-FR" smtClean="0">
+              <a:rPr lang="en-US" altLang="fr-FR">
                 <a:latin typeface="Arial" panose="020B0604020202020204" pitchFamily="34" charset="0"/>
                 <a:cs typeface="Arial" panose="020B0604020202020204" pitchFamily="34" charset="0"/>
               </a:rPr>
@@ -2168,14 +2173,14 @@
             </a:r>
           </a:p>
           <a:p>
-            <a:endParaRPr lang="en-US" altLang="fr-FR" smtClean="0">
+            <a:endParaRPr lang="en-US" altLang="fr-FR">
               <a:latin typeface="Arial" panose="020B0604020202020204" pitchFamily="34" charset="0"/>
               <a:cs typeface="Arial" panose="020B0604020202020204" pitchFamily="34" charset="0"/>
             </a:endParaRPr>
           </a:p>
           <a:p>
             <a:r>
-              <a:rPr lang="en-US" altLang="fr-FR" smtClean="0">
+              <a:rPr lang="en-US" altLang="fr-FR">
                 <a:latin typeface="Arial" panose="020B0604020202020204" pitchFamily="34" charset="0"/>
                 <a:cs typeface="Arial" panose="020B0604020202020204" pitchFamily="34" charset="0"/>
               </a:rPr>
@@ -2183,19 +2188,19 @@
             </a:r>
           </a:p>
           <a:p>
-            <a:endParaRPr lang="en-US" altLang="fr-FR" smtClean="0">
+            <a:endParaRPr lang="en-US" altLang="fr-FR">
               <a:latin typeface="Arial" panose="020B0604020202020204" pitchFamily="34" charset="0"/>
               <a:cs typeface="Arial" panose="020B0604020202020204" pitchFamily="34" charset="0"/>
             </a:endParaRPr>
           </a:p>
           <a:p>
-            <a:endParaRPr lang="en-US" altLang="fr-FR" smtClean="0">
+            <a:endParaRPr lang="en-US" altLang="fr-FR">
               <a:latin typeface="Arial" panose="020B0604020202020204" pitchFamily="34" charset="0"/>
               <a:cs typeface="Arial" panose="020B0604020202020204" pitchFamily="34" charset="0"/>
             </a:endParaRPr>
           </a:p>
           <a:p>
-            <a:endParaRPr lang="en-US" altLang="fr-FR" smtClean="0">
+            <a:endParaRPr lang="en-US" altLang="fr-FR">
               <a:latin typeface="Arial" panose="020B0604020202020204" pitchFamily="34" charset="0"/>
               <a:cs typeface="Arial" panose="020B0604020202020204" pitchFamily="34" charset="0"/>
             </a:endParaRPr>
@@ -2474,20 +2479,20 @@
           <a:bodyPr/>
           <a:lstStyle/>
           <a:p>
-            <a:endParaRPr lang="en-US" altLang="fr-FR" smtClean="0">
+            <a:endParaRPr lang="en-US" altLang="fr-FR">
               <a:latin typeface="Arial" panose="020B0604020202020204" pitchFamily="34" charset="0"/>
               <a:cs typeface="Arial" panose="020B0604020202020204" pitchFamily="34" charset="0"/>
             </a:endParaRPr>
           </a:p>
           <a:p>
-            <a:endParaRPr lang="en-US" altLang="fr-FR" smtClean="0">
+            <a:endParaRPr lang="en-US" altLang="fr-FR">
               <a:latin typeface="Arial" panose="020B0604020202020204" pitchFamily="34" charset="0"/>
               <a:cs typeface="Arial" panose="020B0604020202020204" pitchFamily="34" charset="0"/>
             </a:endParaRPr>
           </a:p>
           <a:p>
             <a:r>
-              <a:rPr lang="en-US" altLang="fr-FR" smtClean="0">
+              <a:rPr lang="en-US" altLang="fr-FR">
                 <a:latin typeface="Arial" panose="020B0604020202020204" pitchFamily="34" charset="0"/>
                 <a:cs typeface="Arial" panose="020B0604020202020204" pitchFamily="34" charset="0"/>
               </a:rPr>
@@ -2496,7 +2501,7 @@
           </a:p>
           <a:p>
             <a:r>
-              <a:rPr lang="en-US" altLang="fr-FR" smtClean="0">
+              <a:rPr lang="en-US" altLang="fr-FR">
                 <a:latin typeface="Arial" panose="020B0604020202020204" pitchFamily="34" charset="0"/>
                 <a:cs typeface="Arial" panose="020B0604020202020204" pitchFamily="34" charset="0"/>
               </a:rPr>
@@ -2505,7 +2510,7 @@
           </a:p>
           <a:p>
             <a:r>
-              <a:rPr lang="en-US" altLang="fr-FR" smtClean="0">
+              <a:rPr lang="en-US" altLang="fr-FR">
                 <a:latin typeface="Arial" panose="020B0604020202020204" pitchFamily="34" charset="0"/>
                 <a:cs typeface="Arial" panose="020B0604020202020204" pitchFamily="34" charset="0"/>
               </a:rPr>
@@ -2513,14 +2518,14 @@
             </a:r>
           </a:p>
           <a:p>
-            <a:endParaRPr lang="en-US" altLang="fr-FR" smtClean="0">
+            <a:endParaRPr lang="en-US" altLang="fr-FR">
               <a:latin typeface="Arial" panose="020B0604020202020204" pitchFamily="34" charset="0"/>
               <a:cs typeface="Arial" panose="020B0604020202020204" pitchFamily="34" charset="0"/>
             </a:endParaRPr>
           </a:p>
           <a:p>
             <a:r>
-              <a:rPr lang="en-US" altLang="fr-FR" smtClean="0">
+              <a:rPr lang="en-US" altLang="fr-FR">
                 <a:latin typeface="Arial" panose="020B0604020202020204" pitchFamily="34" charset="0"/>
                 <a:cs typeface="Arial" panose="020B0604020202020204" pitchFamily="34" charset="0"/>
               </a:rPr>
@@ -2528,14 +2533,14 @@
             </a:r>
           </a:p>
           <a:p>
-            <a:endParaRPr lang="en-US" altLang="fr-FR" smtClean="0">
+            <a:endParaRPr lang="en-US" altLang="fr-FR">
               <a:latin typeface="Arial" panose="020B0604020202020204" pitchFamily="34" charset="0"/>
               <a:cs typeface="Arial" panose="020B0604020202020204" pitchFamily="34" charset="0"/>
             </a:endParaRPr>
           </a:p>
           <a:p>
             <a:r>
-              <a:rPr lang="en-US" altLang="fr-FR" smtClean="0">
+              <a:rPr lang="en-US" altLang="fr-FR">
                 <a:latin typeface="Arial" panose="020B0604020202020204" pitchFamily="34" charset="0"/>
                 <a:cs typeface="Arial" panose="020B0604020202020204" pitchFamily="34" charset="0"/>
               </a:rPr>
@@ -2543,7 +2548,7 @@
             </a:r>
           </a:p>
           <a:p>
-            <a:endParaRPr lang="en-US" altLang="fr-FR" smtClean="0">
+            <a:endParaRPr lang="en-US" altLang="fr-FR">
               <a:latin typeface="Arial" panose="020B0604020202020204" pitchFamily="34" charset="0"/>
               <a:cs typeface="Arial" panose="020B0604020202020204" pitchFamily="34" charset="0"/>
             </a:endParaRPr>
@@ -2596,10 +2601,9 @@
           <a:lstStyle/>
           <a:p>
             <a:r>
-              <a:rPr lang="fr-FR" smtClean="0"/>
+              <a:rPr lang="fr-FR"/>
               <a:t>Cliquez pour modifier le style du titre</a:t>
             </a:r>
-            <a:endParaRPr lang="fr-FR"/>
           </a:p>
         </p:txBody>
       </p:sp>
@@ -2661,10 +2665,9 @@
           </a:lstStyle>
           <a:p>
             <a:r>
-              <a:rPr lang="fr-FR" smtClean="0"/>
+              <a:rPr lang="fr-FR"/>
               <a:t>Cliquez pour modifier le style des sous-titres du masque</a:t>
             </a:r>
-            <a:endParaRPr lang="fr-FR"/>
           </a:p>
         </p:txBody>
       </p:sp>
@@ -2714,10 +2717,9 @@
           <a:lstStyle/>
           <a:p>
             <a:r>
-              <a:rPr lang="fr-FR" smtClean="0"/>
+              <a:rPr lang="fr-FR"/>
               <a:t>Cliquez pour modifier le style du titre</a:t>
             </a:r>
-            <a:endParaRPr lang="fr-FR"/>
           </a:p>
         </p:txBody>
       </p:sp>
@@ -2738,38 +2740,37 @@
           <a:p>
             <a:pPr lvl="0"/>
             <a:r>
-              <a:rPr lang="fr-FR" smtClean="0"/>
+              <a:rPr lang="fr-FR"/>
               <a:t>Cliquez pour modifier les styles du texte du masque</a:t>
             </a:r>
           </a:p>
           <a:p>
             <a:pPr lvl="1"/>
             <a:r>
-              <a:rPr lang="fr-FR" smtClean="0"/>
+              <a:rPr lang="fr-FR"/>
               <a:t>Deuxième niveau</a:t>
             </a:r>
           </a:p>
           <a:p>
             <a:pPr lvl="2"/>
             <a:r>
-              <a:rPr lang="fr-FR" smtClean="0"/>
+              <a:rPr lang="fr-FR"/>
               <a:t>Troisième niveau</a:t>
             </a:r>
           </a:p>
           <a:p>
             <a:pPr lvl="3"/>
             <a:r>
-              <a:rPr lang="fr-FR" smtClean="0"/>
+              <a:rPr lang="fr-FR"/>
               <a:t>Quatrième niveau</a:t>
             </a:r>
           </a:p>
           <a:p>
             <a:pPr lvl="4"/>
             <a:r>
-              <a:rPr lang="fr-FR" smtClean="0"/>
+              <a:rPr lang="fr-FR"/>
               <a:t>Cinquième niveau</a:t>
             </a:r>
-            <a:endParaRPr lang="fr-FR"/>
           </a:p>
         </p:txBody>
       </p:sp>
@@ -2824,10 +2825,9 @@
           <a:lstStyle/>
           <a:p>
             <a:r>
-              <a:rPr lang="fr-FR" smtClean="0"/>
+              <a:rPr lang="fr-FR"/>
               <a:t>Cliquez pour modifier le style du titre</a:t>
             </a:r>
-            <a:endParaRPr lang="fr-FR"/>
           </a:p>
         </p:txBody>
       </p:sp>
@@ -2853,38 +2853,37 @@
           <a:p>
             <a:pPr lvl="0"/>
             <a:r>
-              <a:rPr lang="fr-FR" smtClean="0"/>
+              <a:rPr lang="fr-FR"/>
               <a:t>Cliquez pour modifier les styles du texte du masque</a:t>
             </a:r>
           </a:p>
           <a:p>
             <a:pPr lvl="1"/>
             <a:r>
-              <a:rPr lang="fr-FR" smtClean="0"/>
+              <a:rPr lang="fr-FR"/>
               <a:t>Deuxième niveau</a:t>
             </a:r>
           </a:p>
           <a:p>
             <a:pPr lvl="2"/>
             <a:r>
-              <a:rPr lang="fr-FR" smtClean="0"/>
+              <a:rPr lang="fr-FR"/>
               <a:t>Troisième niveau</a:t>
             </a:r>
           </a:p>
           <a:p>
             <a:pPr lvl="3"/>
             <a:r>
-              <a:rPr lang="fr-FR" smtClean="0"/>
+              <a:rPr lang="fr-FR"/>
               <a:t>Quatrième niveau</a:t>
             </a:r>
           </a:p>
           <a:p>
             <a:pPr lvl="4"/>
             <a:r>
-              <a:rPr lang="fr-FR" smtClean="0"/>
+              <a:rPr lang="fr-FR"/>
               <a:t>Cinquième niveau</a:t>
             </a:r>
-            <a:endParaRPr lang="fr-FR"/>
           </a:p>
         </p:txBody>
       </p:sp>
@@ -2934,10 +2933,9 @@
           <a:lstStyle/>
           <a:p>
             <a:r>
-              <a:rPr lang="fr-FR" smtClean="0"/>
+              <a:rPr lang="fr-FR"/>
               <a:t>Cliquez pour modifier le style du titre</a:t>
             </a:r>
-            <a:endParaRPr lang="fr-FR"/>
           </a:p>
         </p:txBody>
       </p:sp>
@@ -2958,38 +2956,37 @@
           <a:p>
             <a:pPr lvl="0"/>
             <a:r>
-              <a:rPr lang="fr-FR" smtClean="0"/>
+              <a:rPr lang="fr-FR"/>
               <a:t>Cliquez pour modifier les styles du texte du masque</a:t>
             </a:r>
           </a:p>
           <a:p>
             <a:pPr lvl="1"/>
             <a:r>
-              <a:rPr lang="fr-FR" smtClean="0"/>
+              <a:rPr lang="fr-FR"/>
               <a:t>Deuxième niveau</a:t>
             </a:r>
           </a:p>
           <a:p>
             <a:pPr lvl="2"/>
             <a:r>
-              <a:rPr lang="fr-FR" smtClean="0"/>
+              <a:rPr lang="fr-FR"/>
               <a:t>Troisième niveau</a:t>
             </a:r>
           </a:p>
           <a:p>
             <a:pPr lvl="3"/>
             <a:r>
-              <a:rPr lang="fr-FR" smtClean="0"/>
+              <a:rPr lang="fr-FR"/>
               <a:t>Quatrième niveau</a:t>
             </a:r>
           </a:p>
           <a:p>
             <a:pPr lvl="4"/>
             <a:r>
-              <a:rPr lang="fr-FR" smtClean="0"/>
+              <a:rPr lang="fr-FR"/>
               <a:t>Cinquième niveau</a:t>
             </a:r>
-            <a:endParaRPr lang="fr-FR"/>
           </a:p>
         </p:txBody>
       </p:sp>
@@ -3048,10 +3045,9 @@
           </a:lstStyle>
           <a:p>
             <a:r>
-              <a:rPr lang="fr-FR" smtClean="0"/>
+              <a:rPr lang="fr-FR"/>
               <a:t>Cliquez pour modifier le style du titre</a:t>
             </a:r>
-            <a:endParaRPr lang="fr-FR"/>
           </a:p>
         </p:txBody>
       </p:sp>
@@ -3114,7 +3110,7 @@
           <a:p>
             <a:pPr lvl="0"/>
             <a:r>
-              <a:rPr lang="fr-FR" smtClean="0"/>
+              <a:rPr lang="fr-FR"/>
               <a:t>Cliquez pour modifier les styles du texte du masque</a:t>
             </a:r>
           </a:p>
@@ -3166,10 +3162,9 @@
           <a:lstStyle/>
           <a:p>
             <a:r>
-              <a:rPr lang="fr-FR" smtClean="0"/>
+              <a:rPr lang="fr-FR"/>
               <a:t>Cliquez pour modifier le style du titre</a:t>
             </a:r>
-            <a:endParaRPr lang="fr-FR"/>
           </a:p>
         </p:txBody>
       </p:sp>
@@ -3223,38 +3218,37 @@
           <a:p>
             <a:pPr lvl="0"/>
             <a:r>
-              <a:rPr lang="fr-FR" smtClean="0"/>
+              <a:rPr lang="fr-FR"/>
               <a:t>Cliquez pour modifier les styles du texte du masque</a:t>
             </a:r>
           </a:p>
           <a:p>
             <a:pPr lvl="1"/>
             <a:r>
-              <a:rPr lang="fr-FR" smtClean="0"/>
+              <a:rPr lang="fr-FR"/>
               <a:t>Deuxième niveau</a:t>
             </a:r>
           </a:p>
           <a:p>
             <a:pPr lvl="2"/>
             <a:r>
-              <a:rPr lang="fr-FR" smtClean="0"/>
+              <a:rPr lang="fr-FR"/>
               <a:t>Troisième niveau</a:t>
             </a:r>
           </a:p>
           <a:p>
             <a:pPr lvl="3"/>
             <a:r>
-              <a:rPr lang="fr-FR" smtClean="0"/>
+              <a:rPr lang="fr-FR"/>
               <a:t>Quatrième niveau</a:t>
             </a:r>
           </a:p>
           <a:p>
             <a:pPr lvl="4"/>
             <a:r>
-              <a:rPr lang="fr-FR" smtClean="0"/>
+              <a:rPr lang="fr-FR"/>
               <a:t>Cinquième niveau</a:t>
             </a:r>
-            <a:endParaRPr lang="fr-FR"/>
           </a:p>
         </p:txBody>
       </p:sp>
@@ -3308,38 +3302,37 @@
           <a:p>
             <a:pPr lvl="0"/>
             <a:r>
-              <a:rPr lang="fr-FR" smtClean="0"/>
+              <a:rPr lang="fr-FR"/>
               <a:t>Cliquez pour modifier les styles du texte du masque</a:t>
             </a:r>
           </a:p>
           <a:p>
             <a:pPr lvl="1"/>
             <a:r>
-              <a:rPr lang="fr-FR" smtClean="0"/>
+              <a:rPr lang="fr-FR"/>
               <a:t>Deuxième niveau</a:t>
             </a:r>
           </a:p>
           <a:p>
             <a:pPr lvl="2"/>
             <a:r>
-              <a:rPr lang="fr-FR" smtClean="0"/>
+              <a:rPr lang="fr-FR"/>
               <a:t>Troisième niveau</a:t>
             </a:r>
           </a:p>
           <a:p>
             <a:pPr lvl="3"/>
             <a:r>
-              <a:rPr lang="fr-FR" smtClean="0"/>
+              <a:rPr lang="fr-FR"/>
               <a:t>Quatrième niveau</a:t>
             </a:r>
           </a:p>
           <a:p>
             <a:pPr lvl="4"/>
             <a:r>
-              <a:rPr lang="fr-FR" smtClean="0"/>
+              <a:rPr lang="fr-FR"/>
               <a:t>Cinquième niveau</a:t>
             </a:r>
-            <a:endParaRPr lang="fr-FR"/>
           </a:p>
         </p:txBody>
       </p:sp>
@@ -3398,10 +3391,9 @@
           </a:lstStyle>
           <a:p>
             <a:r>
-              <a:rPr lang="fr-FR" smtClean="0"/>
+              <a:rPr lang="fr-FR"/>
               <a:t>Cliquez pour modifier le style du titre</a:t>
             </a:r>
-            <a:endParaRPr lang="fr-FR"/>
           </a:p>
         </p:txBody>
       </p:sp>
@@ -3464,7 +3456,7 @@
           <a:p>
             <a:pPr lvl="0"/>
             <a:r>
-              <a:rPr lang="fr-FR" smtClean="0"/>
+              <a:rPr lang="fr-FR"/>
               <a:t>Cliquez pour modifier les styles du texte du masque</a:t>
             </a:r>
           </a:p>
@@ -3520,38 +3512,37 @@
           <a:p>
             <a:pPr lvl="0"/>
             <a:r>
-              <a:rPr lang="fr-FR" smtClean="0"/>
+              <a:rPr lang="fr-FR"/>
               <a:t>Cliquez pour modifier les styles du texte du masque</a:t>
             </a:r>
           </a:p>
           <a:p>
             <a:pPr lvl="1"/>
             <a:r>
-              <a:rPr lang="fr-FR" smtClean="0"/>
+              <a:rPr lang="fr-FR"/>
               <a:t>Deuxième niveau</a:t>
             </a:r>
           </a:p>
           <a:p>
             <a:pPr lvl="2"/>
             <a:r>
-              <a:rPr lang="fr-FR" smtClean="0"/>
+              <a:rPr lang="fr-FR"/>
               <a:t>Troisième niveau</a:t>
             </a:r>
           </a:p>
           <a:p>
             <a:pPr lvl="3"/>
             <a:r>
-              <a:rPr lang="fr-FR" smtClean="0"/>
+              <a:rPr lang="fr-FR"/>
               <a:t>Quatrième niveau</a:t>
             </a:r>
           </a:p>
           <a:p>
             <a:pPr lvl="4"/>
             <a:r>
-              <a:rPr lang="fr-FR" smtClean="0"/>
+              <a:rPr lang="fr-FR"/>
               <a:t>Cinquième niveau</a:t>
             </a:r>
-            <a:endParaRPr lang="fr-FR"/>
           </a:p>
         </p:txBody>
       </p:sp>
@@ -3614,7 +3605,7 @@
           <a:p>
             <a:pPr lvl="0"/>
             <a:r>
-              <a:rPr lang="fr-FR" smtClean="0"/>
+              <a:rPr lang="fr-FR"/>
               <a:t>Cliquez pour modifier les styles du texte du masque</a:t>
             </a:r>
           </a:p>
@@ -3670,38 +3661,37 @@
           <a:p>
             <a:pPr lvl="0"/>
             <a:r>
-              <a:rPr lang="fr-FR" smtClean="0"/>
+              <a:rPr lang="fr-FR"/>
               <a:t>Cliquez pour modifier les styles du texte du masque</a:t>
             </a:r>
           </a:p>
           <a:p>
             <a:pPr lvl="1"/>
             <a:r>
-              <a:rPr lang="fr-FR" smtClean="0"/>
+              <a:rPr lang="fr-FR"/>
               <a:t>Deuxième niveau</a:t>
             </a:r>
           </a:p>
           <a:p>
             <a:pPr lvl="2"/>
             <a:r>
-              <a:rPr lang="fr-FR" smtClean="0"/>
+              <a:rPr lang="fr-FR"/>
               <a:t>Troisième niveau</a:t>
             </a:r>
           </a:p>
           <a:p>
             <a:pPr lvl="3"/>
             <a:r>
-              <a:rPr lang="fr-FR" smtClean="0"/>
+              <a:rPr lang="fr-FR"/>
               <a:t>Quatrième niveau</a:t>
             </a:r>
           </a:p>
           <a:p>
             <a:pPr lvl="4"/>
             <a:r>
-              <a:rPr lang="fr-FR" smtClean="0"/>
+              <a:rPr lang="fr-FR"/>
               <a:t>Cinquième niveau</a:t>
             </a:r>
-            <a:endParaRPr lang="fr-FR"/>
           </a:p>
         </p:txBody>
       </p:sp>
@@ -3751,10 +3741,9 @@
           <a:lstStyle/>
           <a:p>
             <a:r>
-              <a:rPr lang="fr-FR" smtClean="0"/>
+              <a:rPr lang="fr-FR"/>
               <a:t>Cliquez pour modifier le style du titre</a:t>
             </a:r>
-            <a:endParaRPr lang="fr-FR"/>
           </a:p>
         </p:txBody>
       </p:sp>
@@ -3843,10 +3832,9 @@
           </a:lstStyle>
           <a:p>
             <a:r>
-              <a:rPr lang="fr-FR" smtClean="0"/>
+              <a:rPr lang="fr-FR"/>
               <a:t>Cliquez pour modifier le style du titre</a:t>
             </a:r>
-            <a:endParaRPr lang="fr-FR"/>
           </a:p>
         </p:txBody>
       </p:sp>
@@ -3900,38 +3888,37 @@
           <a:p>
             <a:pPr lvl="0"/>
             <a:r>
-              <a:rPr lang="fr-FR" smtClean="0"/>
+              <a:rPr lang="fr-FR"/>
               <a:t>Cliquez pour modifier les styles du texte du masque</a:t>
             </a:r>
           </a:p>
           <a:p>
             <a:pPr lvl="1"/>
             <a:r>
-              <a:rPr lang="fr-FR" smtClean="0"/>
+              <a:rPr lang="fr-FR"/>
               <a:t>Deuxième niveau</a:t>
             </a:r>
           </a:p>
           <a:p>
             <a:pPr lvl="2"/>
             <a:r>
-              <a:rPr lang="fr-FR" smtClean="0"/>
+              <a:rPr lang="fr-FR"/>
               <a:t>Troisième niveau</a:t>
             </a:r>
           </a:p>
           <a:p>
             <a:pPr lvl="3"/>
             <a:r>
-              <a:rPr lang="fr-FR" smtClean="0"/>
+              <a:rPr lang="fr-FR"/>
               <a:t>Quatrième niveau</a:t>
             </a:r>
           </a:p>
           <a:p>
             <a:pPr lvl="4"/>
             <a:r>
-              <a:rPr lang="fr-FR" smtClean="0"/>
+              <a:rPr lang="fr-FR"/>
               <a:t>Cinquième niveau</a:t>
             </a:r>
-            <a:endParaRPr lang="fr-FR"/>
           </a:p>
         </p:txBody>
       </p:sp>
@@ -3994,7 +3981,7 @@
           <a:p>
             <a:pPr lvl="0"/>
             <a:r>
-              <a:rPr lang="fr-FR" smtClean="0"/>
+              <a:rPr lang="fr-FR"/>
               <a:t>Cliquez pour modifier les styles du texte du masque</a:t>
             </a:r>
           </a:p>
@@ -4055,10 +4042,9 @@
           </a:lstStyle>
           <a:p>
             <a:r>
-              <a:rPr lang="fr-FR" smtClean="0"/>
+              <a:rPr lang="fr-FR"/>
               <a:t>Cliquez pour modifier le style du titre</a:t>
             </a:r>
-            <a:endParaRPr lang="fr-FR"/>
           </a:p>
         </p:txBody>
       </p:sp>
@@ -4120,7 +4106,7 @@
           </a:lstStyle>
           <a:p>
             <a:pPr lvl="0"/>
-            <a:endParaRPr lang="fr-FR" noProof="0" smtClean="0"/>
+            <a:endParaRPr lang="fr-FR" noProof="0"/>
           </a:p>
         </p:txBody>
       </p:sp>
@@ -4183,7 +4169,7 @@
           <a:p>
             <a:pPr lvl="0"/>
             <a:r>
-              <a:rPr lang="fr-FR" smtClean="0"/>
+              <a:rPr lang="fr-FR"/>
               <a:t>Cliquez pour modifier les styles du texte du masque</a:t>
             </a:r>
           </a:p>
@@ -4366,7 +4352,7 @@
             <a:pPr eaLnBrk="1" hangingPunct="1">
               <a:defRPr/>
             </a:pPr>
-            <a:endParaRPr lang="fr-FR" altLang="fr-FR" smtClean="0"/>
+            <a:endParaRPr lang="fr-FR" altLang="fr-FR"/>
           </a:p>
         </p:txBody>
       </p:sp>
@@ -4520,7 +4506,7 @@
               <a:defRPr/>
             </a:pPr>
             <a:r>
-              <a:rPr lang="fr-FR" altLang="fr-FR" sz="1200" smtClean="0"/>
+              <a:rPr lang="fr-FR" altLang="fr-FR" sz="1200"/>
               <a:t>Page </a:t>
             </a:r>
             <a:fld id="{2ECD2E9D-D25C-4731-83AF-4CE5CEB4F148}" type="slidenum">
@@ -4533,7 +4519,7 @@
               </a:pPr>
               <a:t>‹N°›</a:t>
             </a:fld>
-            <a:endParaRPr lang="fr-FR" altLang="fr-FR" smtClean="0">
+            <a:endParaRPr lang="fr-FR" altLang="fr-FR">
               <a:latin typeface="Times New Roman" panose="02020603050405020304" pitchFamily="18" charset="0"/>
             </a:endParaRPr>
           </a:p>
@@ -4591,7 +4577,7 @@
           <a:p>
             <a:pPr lvl="0"/>
             <a:r>
-              <a:rPr lang="fr-FR" altLang="fr-FR" smtClean="0"/>
+              <a:rPr lang="fr-FR" altLang="fr-FR"/>
               <a:t>Cliquez pour modifier le style du titre du masque</a:t>
             </a:r>
           </a:p>
@@ -4649,35 +4635,35 @@
           <a:p>
             <a:pPr lvl="0"/>
             <a:r>
-              <a:rPr lang="fr-FR" altLang="fr-FR" smtClean="0"/>
+              <a:rPr lang="fr-FR" altLang="fr-FR"/>
               <a:t>Cliquez pour modifier les styles du texte du masque</a:t>
             </a:r>
           </a:p>
           <a:p>
             <a:pPr lvl="1"/>
             <a:r>
-              <a:rPr lang="fr-FR" altLang="fr-FR" smtClean="0"/>
+              <a:rPr lang="fr-FR" altLang="fr-FR"/>
               <a:t>Deuxième niveau</a:t>
             </a:r>
           </a:p>
           <a:p>
             <a:pPr lvl="2"/>
             <a:r>
-              <a:rPr lang="fr-FR" altLang="fr-FR" smtClean="0"/>
+              <a:rPr lang="fr-FR" altLang="fr-FR"/>
               <a:t>Troisième niveau</a:t>
             </a:r>
           </a:p>
           <a:p>
             <a:pPr lvl="3"/>
             <a:r>
-              <a:rPr lang="fr-FR" altLang="fr-FR" smtClean="0"/>
+              <a:rPr lang="fr-FR" altLang="fr-FR"/>
               <a:t>Quatrième niveau</a:t>
             </a:r>
           </a:p>
           <a:p>
             <a:pPr lvl="4"/>
             <a:r>
-              <a:rPr lang="fr-FR" altLang="fr-FR" smtClean="0"/>
+              <a:rPr lang="fr-FR" altLang="fr-FR"/>
               <a:t>Cinquième niveau</a:t>
             </a:r>
           </a:p>
@@ -4833,10 +4819,10 @@
               <a:defRPr/>
             </a:pPr>
             <a:r>
-              <a:rPr lang="fr-FR" sz="1200" smtClean="0"/>
+              <a:rPr lang="fr-FR" sz="1200"/>
               <a:t>© Cyril Vincent Conseil</a:t>
             </a:r>
-            <a:endParaRPr lang="fr-FR" smtClean="0">
+            <a:endParaRPr lang="fr-FR">
               <a:latin typeface="Times New Roman" pitchFamily="18" charset="0"/>
             </a:endParaRPr>
           </a:p>
@@ -5318,12 +5304,12 @@
           <a:lstStyle/>
           <a:p>
             <a:pPr eaLnBrk="1" hangingPunct="1"/>
-            <a:endParaRPr lang="fr-FR" altLang="fr-FR" smtClean="0"/>
+            <a:endParaRPr lang="fr-FR" altLang="fr-FR"/>
           </a:p>
           <a:p>
             <a:pPr eaLnBrk="1" hangingPunct="1"/>
             <a:r>
-              <a:rPr lang="fr-FR" altLang="fr-FR" smtClean="0"/>
+              <a:rPr lang="fr-FR" altLang="fr-FR"/>
               <a:t>IoC</a:t>
             </a:r>
           </a:p>
@@ -5375,13 +5361,6 @@
   <p:clrMapOvr>
     <a:masterClrMapping/>
   </p:clrMapOvr>
-  <p:timing>
-    <p:tnLst>
-      <p:par>
-        <p:cTn id="1" dur="indefinite" restart="never" nodeType="tmRoot"/>
-      </p:par>
-    </p:tnLst>
-  </p:timing>
 </p:sld>
 </file>
 
@@ -5418,7 +5397,7 @@
           <a:lstStyle/>
           <a:p>
             <a:r>
-              <a:rPr lang="fr-FR" altLang="fr-FR" smtClean="0"/>
+              <a:rPr lang="fr-FR" altLang="fr-FR"/>
               <a:t>Configuration de Spring avec des beans</a:t>
             </a:r>
           </a:p>
@@ -5445,11 +5424,11 @@
           <a:lstStyle/>
           <a:p>
             <a:r>
-              <a:rPr lang="fr-FR" altLang="fr-FR" sz="1800" smtClean="0"/>
+              <a:rPr lang="fr-FR" altLang="fr-FR" sz="1800"/>
               <a:t>Chaque objet configuré avec Spring est nommé </a:t>
             </a:r>
             <a:r>
-              <a:rPr lang="fr-FR" altLang="fr-FR" sz="1800" smtClean="0">
+              <a:rPr lang="fr-FR" altLang="fr-FR" sz="1800">
                 <a:latin typeface="Courier New" panose="02070309020205020404" pitchFamily="49" charset="0"/>
               </a:rPr>
               <a:t>bean</a:t>
@@ -5458,17 +5437,17 @@
           <a:p>
             <a:pPr lvl="1"/>
             <a:r>
-              <a:rPr lang="fr-FR" altLang="fr-FR" sz="1600" smtClean="0"/>
+              <a:rPr lang="fr-FR" altLang="fr-FR" sz="1600"/>
               <a:t>Il n’est pas nécessaire que ce soit un JavaBean mais les conventions de nommage doivent être respectées</a:t>
             </a:r>
           </a:p>
           <a:p>
             <a:r>
-              <a:rPr lang="fr-FR" altLang="fr-FR" sz="1800" smtClean="0"/>
+              <a:rPr lang="fr-FR" altLang="fr-FR" sz="1800"/>
               <a:t>Le défaut est </a:t>
             </a:r>
             <a:r>
-              <a:rPr lang="fr-FR" altLang="fr-FR" sz="1800" smtClean="0">
+              <a:rPr lang="fr-FR" altLang="fr-FR" sz="1800">
                 <a:latin typeface="Courier New" panose="02070309020205020404" pitchFamily="49" charset="0"/>
               </a:rPr>
               <a:t>singleton</a:t>
@@ -5477,86 +5456,86 @@
           <a:p>
             <a:pPr lvl="1"/>
             <a:r>
-              <a:rPr lang="fr-FR" altLang="fr-FR" sz="1600" smtClean="0"/>
+              <a:rPr lang="fr-FR" altLang="fr-FR" sz="1600"/>
               <a:t>La même instance est injectée pour tous les clients du bean</a:t>
             </a:r>
           </a:p>
           <a:p>
             <a:pPr lvl="1"/>
             <a:r>
-              <a:rPr lang="fr-FR" altLang="fr-FR" sz="1600" smtClean="0">
+              <a:rPr lang="fr-FR" altLang="fr-FR" sz="1600">
                 <a:latin typeface="Courier New" panose="02070309020205020404" pitchFamily="49" charset="0"/>
               </a:rPr>
               <a:t>prototype</a:t>
             </a:r>
             <a:r>
-              <a:rPr lang="fr-FR" altLang="fr-FR" sz="1600" smtClean="0"/>
+              <a:rPr lang="fr-FR" altLang="fr-FR" sz="1600"/>
               <a:t> permet d’indiquer qu’une instance particulière doit être fournie</a:t>
             </a:r>
           </a:p>
           <a:p>
             <a:r>
-              <a:rPr lang="fr-FR" altLang="fr-FR" sz="1800" smtClean="0"/>
+              <a:rPr lang="fr-FR" altLang="fr-FR" sz="1800"/>
               <a:t>Un bean est intégralement configuré avant d’être injecté dans d’autres beans</a:t>
             </a:r>
           </a:p>
           <a:p>
             <a:pPr lvl="1"/>
             <a:r>
-              <a:rPr lang="fr-FR" altLang="fr-FR" sz="1600" smtClean="0"/>
+              <a:rPr lang="fr-FR" altLang="fr-FR" sz="1600"/>
               <a:t>Le constructeur spécifié (ou le constructeur par défaut) est invoqué</a:t>
             </a:r>
           </a:p>
           <a:p>
             <a:pPr lvl="2"/>
             <a:r>
-              <a:rPr lang="fr-FR" altLang="fr-FR" sz="1400" smtClean="0"/>
+              <a:rPr lang="fr-FR" altLang="fr-FR" sz="1400"/>
               <a:t>Avec les bons arguments</a:t>
             </a:r>
           </a:p>
           <a:p>
             <a:pPr lvl="1"/>
             <a:r>
-              <a:rPr lang="fr-FR" altLang="fr-FR" sz="1600" smtClean="0"/>
+              <a:rPr lang="fr-FR" altLang="fr-FR" sz="1600"/>
               <a:t>Toutes les propriétés spécifiées sont initialisées via les méthodes « setter »</a:t>
             </a:r>
           </a:p>
           <a:p>
             <a:r>
-              <a:rPr lang="fr-FR" altLang="fr-FR" sz="1800" smtClean="0"/>
+              <a:rPr lang="fr-FR" altLang="fr-FR" sz="1800"/>
               <a:t>Les paramètres des constructeurs et des méthodes mutateurs peuvent être des références à des beans ou des valeurs</a:t>
             </a:r>
           </a:p>
           <a:p>
             <a:pPr lvl="1"/>
             <a:r>
-              <a:rPr lang="fr-FR" altLang="fr-FR" sz="1600" smtClean="0">
+              <a:rPr lang="fr-FR" altLang="fr-FR" sz="1600">
                 <a:latin typeface="Courier New" panose="02070309020205020404" pitchFamily="49" charset="0"/>
               </a:rPr>
               <a:t>String</a:t>
             </a:r>
             <a:r>
-              <a:rPr lang="fr-FR" altLang="fr-FR" sz="1600" smtClean="0"/>
+              <a:rPr lang="fr-FR" altLang="fr-FR" sz="1600"/>
               <a:t>, </a:t>
             </a:r>
             <a:r>
-              <a:rPr lang="fr-FR" altLang="fr-FR" sz="1600" smtClean="0">
+              <a:rPr lang="fr-FR" altLang="fr-FR" sz="1600">
                 <a:latin typeface="Courier New" panose="02070309020205020404" pitchFamily="49" charset="0"/>
               </a:rPr>
               <a:t>int</a:t>
             </a:r>
             <a:r>
-              <a:rPr lang="fr-FR" altLang="fr-FR" sz="1600" smtClean="0"/>
+              <a:rPr lang="fr-FR" altLang="fr-FR" sz="1600"/>
               <a:t>, </a:t>
             </a:r>
             <a:r>
-              <a:rPr lang="fr-FR" altLang="fr-FR" sz="1600" smtClean="0">
+              <a:rPr lang="fr-FR" altLang="fr-FR" sz="1600">
                 <a:latin typeface="Courier New" panose="02070309020205020404" pitchFamily="49" charset="0"/>
               </a:rPr>
               <a:t>double</a:t>
             </a:r>
             <a:r>
-              <a:rPr lang="fr-FR" altLang="fr-FR" sz="1600" smtClean="0"/>
+              <a:rPr lang="fr-FR" altLang="fr-FR" sz="1600"/>
               <a:t>, etc. sont supportés</a:t>
             </a:r>
           </a:p>
@@ -5567,13 +5546,6 @@
   <p:clrMapOvr>
     <a:masterClrMapping/>
   </p:clrMapOvr>
-  <p:timing>
-    <p:tnLst>
-      <p:par>
-        <p:cTn id="1" dur="indefinite" restart="never" nodeType="tmRoot"/>
-      </p:par>
-    </p:tnLst>
-  </p:timing>
 </p:sld>
 </file>
 
@@ -5615,7 +5587,7 @@
           <a:lstStyle/>
           <a:p>
             <a:r>
-              <a:rPr lang="fr-FR" altLang="fr-FR" smtClean="0"/>
+              <a:rPr lang="fr-FR" altLang="fr-FR"/>
               <a:t>Annotations</a:t>
             </a:r>
           </a:p>
@@ -5642,30 +5614,30 @@
           <a:lstStyle/>
           <a:p>
             <a:r>
-              <a:rPr lang="fr-FR" altLang="fr-FR" sz="2400" smtClean="0"/>
+              <a:rPr lang="fr-FR" altLang="fr-FR" sz="2400"/>
               <a:t>A partir de la version 2.5 de Spring et en utilisant une version 5 ou supérieure de Java, il est possible d'utiliser des annotations pour réaliser une partie de la configuration des beans.</a:t>
             </a:r>
           </a:p>
           <a:p>
             <a:r>
-              <a:rPr lang="fr-FR" altLang="fr-FR" sz="2400" smtClean="0"/>
+              <a:rPr lang="fr-FR" altLang="fr-FR" sz="2400"/>
               <a:t>Comme lors de toutes utilisations d'annotations à la place d'un fichier XML, la configuration est décentralisée mais aussi grandement simplifiée tout en réduisant la taille du fichier de configuration.</a:t>
             </a:r>
           </a:p>
           <a:p>
             <a:r>
-              <a:rPr lang="fr-FR" altLang="fr-FR" sz="2400" smtClean="0"/>
+              <a:rPr lang="fr-FR" altLang="fr-FR" sz="2400"/>
               <a:t>Le conteneur doit être informé de l'utilisation d'annotations pour réaliser une partie de la configuration.</a:t>
             </a:r>
           </a:p>
           <a:p>
             <a:r>
-              <a:rPr lang="fr-FR" altLang="fr-FR" sz="2400" smtClean="0"/>
+              <a:rPr lang="fr-FR" altLang="fr-FR" sz="2400"/>
               <a:t>L'espace de nommage context propose le tag &lt;annotation-config&gt; qui permet de préciser l'utilisation des annotations dans la configuration.</a:t>
             </a:r>
           </a:p>
           <a:p>
-            <a:endParaRPr lang="fr-FR" altLang="fr-FR" smtClean="0"/>
+            <a:endParaRPr lang="fr-FR" altLang="fr-FR"/>
           </a:p>
         </p:txBody>
       </p:sp>
@@ -5710,7 +5682,7 @@
           <a:lstStyle/>
           <a:p>
             <a:r>
-              <a:rPr lang="fr-FR" altLang="fr-FR" smtClean="0"/>
+              <a:rPr lang="fr-FR" altLang="fr-FR"/>
               <a:t>IoD</a:t>
             </a:r>
           </a:p>
@@ -5732,18 +5704,18 @@
           <a:lstStyle/>
           <a:p>
             <a:r>
-              <a:rPr lang="fr-FR" altLang="fr-FR" smtClean="0"/>
+              <a:rPr lang="fr-FR" altLang="fr-FR"/>
               <a:t>Quelques annotations sont utiles dans ce but : @Required, @Autowired, @Configurable, @Qualifier et @Resource</a:t>
             </a:r>
           </a:p>
           <a:p>
             <a:r>
-              <a:rPr lang="fr-FR" altLang="fr-FR" smtClean="0"/>
+              <a:rPr lang="fr-FR" altLang="fr-FR"/>
               <a:t>Il faut changer la configuration pour scanner les fichiers à IoD</a:t>
             </a:r>
           </a:p>
           <a:p>
-            <a:endParaRPr lang="fr-FR" altLang="fr-FR" smtClean="0"/>
+            <a:endParaRPr lang="fr-FR" altLang="fr-FR"/>
           </a:p>
         </p:txBody>
       </p:sp>
@@ -5788,7 +5760,7 @@
           <a:lstStyle/>
           <a:p>
             <a:r>
-              <a:rPr lang="fr-FR" altLang="fr-FR" smtClean="0"/>
+              <a:rPr lang="fr-FR" altLang="fr-FR"/>
               <a:t>@Required</a:t>
             </a:r>
           </a:p>
@@ -5815,37 +5787,37 @@
           <a:lstStyle/>
           <a:p>
             <a:r>
-              <a:rPr lang="fr-FR" altLang="fr-FR" smtClean="0"/>
+              <a:rPr lang="fr-FR" altLang="fr-FR"/>
               <a:t>@Required permet de valider une injection de dépendances quelle que soit la méthode qui a permis cette injection</a:t>
             </a:r>
           </a:p>
           <a:p>
             <a:r>
-              <a:rPr lang="fr-FR" altLang="fr-FR" smtClean="0"/>
+              <a:rPr lang="fr-FR" altLang="fr-FR"/>
               <a:t>Lors de la création d'une instance du bean, le conteneur va s'assurer que la propriété est valorisée à la fin de l'initialisation du bean soit explicitement soit via l'autowiring.</a:t>
             </a:r>
           </a:p>
           <a:p>
             <a:r>
-              <a:rPr lang="fr-FR" altLang="fr-FR" smtClean="0"/>
+              <a:rPr lang="fr-FR" altLang="fr-FR"/>
               <a:t>Exception en cas d'échec.</a:t>
             </a:r>
           </a:p>
           <a:p>
             <a:pPr lvl="1"/>
             <a:r>
-              <a:rPr lang="fr-FR" altLang="fr-FR" smtClean="0"/>
+              <a:rPr lang="fr-FR" altLang="fr-FR"/>
               <a:t>Evite un NullPointerException</a:t>
             </a:r>
           </a:p>
           <a:p>
             <a:r>
-              <a:rPr lang="fr-FR" altLang="fr-FR" smtClean="0"/>
+              <a:rPr lang="fr-FR" altLang="fr-FR"/>
               <a:t>S'utilise sur le setter d'une propriété car elle ne peut s'appliquer que sur une méthode.</a:t>
             </a:r>
           </a:p>
           <a:p>
-            <a:endParaRPr lang="fr-FR" altLang="fr-FR" smtClean="0"/>
+            <a:endParaRPr lang="fr-FR" altLang="fr-FR"/>
           </a:p>
         </p:txBody>
       </p:sp>
@@ -5890,7 +5862,7 @@
           <a:lstStyle/>
           <a:p>
             <a:r>
-              <a:rPr lang="fr-FR" altLang="fr-FR" smtClean="0"/>
+              <a:rPr lang="fr-FR" altLang="fr-FR"/>
               <a:t>@Required</a:t>
             </a:r>
           </a:p>
@@ -5911,7 +5883,7 @@
           <a:bodyPr/>
           <a:lstStyle/>
           <a:p>
-            <a:endParaRPr lang="fr-FR" altLang="fr-FR" smtClean="0"/>
+            <a:endParaRPr lang="fr-FR" altLang="fr-FR"/>
           </a:p>
         </p:txBody>
       </p:sp>
@@ -6018,7 +5990,7 @@
           <a:lstStyle/>
           <a:p>
             <a:r>
-              <a:rPr lang="fr-FR" altLang="fr-FR" smtClean="0"/>
+              <a:rPr lang="fr-FR" altLang="fr-FR"/>
               <a:t>@Autowired</a:t>
             </a:r>
           </a:p>
@@ -6045,32 +6017,32 @@
           <a:lstStyle/>
           <a:p>
             <a:r>
-              <a:rPr lang="fr-FR" altLang="fr-FR" smtClean="0"/>
+              <a:rPr lang="fr-FR" altLang="fr-FR"/>
               <a:t>Met en place Autowire.</a:t>
             </a:r>
           </a:p>
           <a:p>
             <a:pPr lvl="1"/>
             <a:r>
-              <a:rPr lang="fr-FR" altLang="fr-FR" smtClean="0"/>
+              <a:rPr lang="fr-FR" altLang="fr-FR"/>
               <a:t>Required=true ou false</a:t>
             </a:r>
           </a:p>
           <a:p>
             <a:pPr lvl="1"/>
             <a:r>
-              <a:rPr lang="fr-FR" altLang="fr-FR" smtClean="0"/>
+              <a:rPr lang="fr-FR" altLang="fr-FR"/>
               <a:t>Lève ou non une exception en cas d'échec</a:t>
             </a:r>
           </a:p>
           <a:p>
             <a:r>
-              <a:rPr lang="fr-FR" altLang="fr-FR" smtClean="0"/>
+              <a:rPr lang="fr-FR" altLang="fr-FR"/>
               <a:t>Fonctionne sur une instance, un setter, un constructeur, un champ ou une méthode</a:t>
             </a:r>
           </a:p>
           <a:p>
-            <a:endParaRPr lang="fr-FR" altLang="fr-FR" smtClean="0"/>
+            <a:endParaRPr lang="fr-FR" altLang="fr-FR"/>
           </a:p>
         </p:txBody>
       </p:sp>
@@ -6239,7 +6211,7 @@
           <a:lstStyle/>
           <a:p>
             <a:r>
-              <a:rPr lang="fr-FR" altLang="fr-FR" smtClean="0"/>
+              <a:rPr lang="fr-FR" altLang="fr-FR"/>
               <a:t>@Repository</a:t>
             </a:r>
           </a:p>
@@ -6266,19 +6238,19 @@
           <a:lstStyle/>
           <a:p>
             <a:r>
-              <a:rPr lang="fr-FR" altLang="fr-FR" smtClean="0"/>
+              <a:rPr lang="fr-FR" altLang="fr-FR"/>
               <a:t>L'annotation @Repository s'utilise de la même façon, pour les bean DAO</a:t>
             </a:r>
           </a:p>
           <a:p>
             <a:pPr lvl="1"/>
             <a:r>
-              <a:rPr lang="fr-FR" altLang="fr-FR" smtClean="0"/>
+              <a:rPr lang="fr-FR" altLang="fr-FR"/>
               <a:t>La configuration l’emporte sur les annotations</a:t>
             </a:r>
           </a:p>
           <a:p>
-            <a:endParaRPr lang="fr-FR" altLang="fr-FR" smtClean="0"/>
+            <a:endParaRPr lang="fr-FR" altLang="fr-FR"/>
           </a:p>
         </p:txBody>
       </p:sp>
@@ -6349,13 +6321,6 @@
   <p:clrMapOvr>
     <a:masterClrMapping/>
   </p:clrMapOvr>
-  <p:timing>
-    <p:tnLst>
-      <p:par>
-        <p:cTn id="1" dur="indefinite" restart="never" nodeType="tmRoot"/>
-      </p:par>
-    </p:tnLst>
-  </p:timing>
 </p:sld>
 </file>
 
@@ -6392,7 +6357,7 @@
           <a:lstStyle/>
           <a:p>
             <a:r>
-              <a:rPr lang="fr-FR" altLang="fr-FR" smtClean="0"/>
+              <a:rPr lang="fr-FR" altLang="fr-FR"/>
               <a:t>@Service</a:t>
             </a:r>
           </a:p>
@@ -6419,19 +6384,19 @@
           <a:lstStyle/>
           <a:p>
             <a:r>
-              <a:rPr lang="fr-FR" altLang="fr-FR" smtClean="0"/>
+              <a:rPr lang="fr-FR" altLang="fr-FR"/>
               <a:t>@Service permet de déclarer un bean de service, son nom étant passé en paramètre.</a:t>
             </a:r>
           </a:p>
           <a:p>
             <a:pPr lvl="1"/>
             <a:r>
-              <a:rPr lang="fr-FR" altLang="fr-FR" smtClean="0"/>
+              <a:rPr lang="fr-FR" altLang="fr-FR"/>
               <a:t>La configuration l’emporte sur les annotations</a:t>
             </a:r>
           </a:p>
           <a:p>
-            <a:endParaRPr lang="fr-FR" altLang="fr-FR" smtClean="0"/>
+            <a:endParaRPr lang="fr-FR" altLang="fr-FR"/>
           </a:p>
         </p:txBody>
       </p:sp>
@@ -6502,13 +6467,6 @@
   <p:clrMapOvr>
     <a:masterClrMapping/>
   </p:clrMapOvr>
-  <p:timing>
-    <p:tnLst>
-      <p:par>
-        <p:cTn id="1" dur="indefinite" restart="never" nodeType="tmRoot"/>
-      </p:par>
-    </p:tnLst>
-  </p:timing>
 </p:sld>
 </file>
 
@@ -6545,7 +6503,7 @@
           <a:lstStyle/>
           <a:p>
             <a:r>
-              <a:rPr lang="fr-FR" altLang="fr-FR" smtClean="0"/>
+              <a:rPr lang="fr-FR" altLang="fr-FR"/>
               <a:t>@Controller</a:t>
             </a:r>
           </a:p>
@@ -6572,19 +6530,27 @@
           <a:lstStyle/>
           <a:p>
             <a:r>
-              <a:rPr lang="fr-FR" altLang="fr-FR" smtClean="0"/>
-              <a:t>@Controller permet de déclarer un bean de Controller, son nom étant passé en paramètre.</a:t>
+              <a:rPr lang="fr-FR" altLang="fr-FR" dirty="0"/>
+              <a:t>@Controller permet de déclarer un </a:t>
+            </a:r>
+            <a:r>
+              <a:rPr lang="fr-FR" altLang="fr-FR" dirty="0" err="1"/>
+              <a:t>bean</a:t>
+            </a:r>
+            <a:r>
+              <a:rPr lang="fr-FR" altLang="fr-FR" dirty="0"/>
+              <a:t> de Controller, son nom étant passé en paramètre.</a:t>
             </a:r>
           </a:p>
           <a:p>
             <a:pPr lvl="1"/>
             <a:r>
-              <a:rPr lang="fr-FR" altLang="fr-FR" smtClean="0"/>
+              <a:rPr lang="fr-FR" altLang="fr-FR" dirty="0"/>
               <a:t>@Repository, @Service et @Controller dérivent de @Component</a:t>
             </a:r>
           </a:p>
           <a:p>
-            <a:endParaRPr lang="fr-FR" altLang="fr-FR" smtClean="0"/>
+            <a:endParaRPr lang="fr-FR" altLang="fr-FR" dirty="0"/>
           </a:p>
         </p:txBody>
       </p:sp>
@@ -6655,13 +6621,6 @@
   <p:clrMapOvr>
     <a:masterClrMapping/>
   </p:clrMapOvr>
-  <p:timing>
-    <p:tnLst>
-      <p:par>
-        <p:cTn id="1" dur="indefinite" restart="never" nodeType="tmRoot"/>
-      </p:par>
-    </p:tnLst>
-  </p:timing>
 </p:sld>
 </file>
 
@@ -6698,7 +6657,7 @@
           <a:lstStyle/>
           <a:p>
             <a:r>
-              <a:rPr lang="fr-FR" altLang="fr-FR" smtClean="0"/>
+              <a:rPr lang="fr-FR" altLang="fr-FR"/>
               <a:t>@Ressource</a:t>
             </a:r>
           </a:p>
@@ -6725,24 +6684,24 @@
           <a:lstStyle/>
           <a:p>
             <a:r>
-              <a:rPr lang="fr-FR" altLang="fr-FR" smtClean="0"/>
+              <a:rPr lang="fr-FR" altLang="fr-FR"/>
               <a:t>L'annotation @javax.annotation.Resource permet de demander l'injection d'un bean par son nom.</a:t>
             </a:r>
           </a:p>
           <a:p>
             <a:r>
-              <a:rPr lang="fr-FR" altLang="fr-FR" smtClean="0"/>
+              <a:rPr lang="fr-FR" altLang="fr-FR"/>
               <a:t>L'annotation @Resource est fournie en standard avec Java SE 6</a:t>
             </a:r>
           </a:p>
           <a:p>
             <a:r>
-              <a:rPr lang="fr-FR" altLang="fr-FR" smtClean="0"/>
+              <a:rPr lang="fr-FR" altLang="fr-FR"/>
               <a:t>Très utile pour les DataSource</a:t>
             </a:r>
           </a:p>
           <a:p>
-            <a:endParaRPr lang="fr-FR" altLang="fr-FR" smtClean="0"/>
+            <a:endParaRPr lang="fr-FR" altLang="fr-FR"/>
           </a:p>
         </p:txBody>
       </p:sp>
@@ -6849,7 +6808,7 @@
           <a:lstStyle/>
           <a:p>
             <a:r>
-              <a:rPr lang="fr-FR" altLang="fr-FR" smtClean="0"/>
+              <a:rPr lang="fr-FR" altLang="fr-FR"/>
               <a:t>Réflexion</a:t>
             </a:r>
           </a:p>
@@ -6876,90 +6835,90 @@
           <a:lstStyle/>
           <a:p>
             <a:r>
-              <a:rPr lang="fr-FR" altLang="fr-FR" smtClean="0"/>
+              <a:rPr lang="fr-FR" altLang="fr-FR"/>
               <a:t>Employez la réflexion lorsque l’utilisation d’interfaces n’est pas possible</a:t>
             </a:r>
           </a:p>
           <a:p>
             <a:pPr lvl="1"/>
             <a:r>
-              <a:rPr lang="fr-FR" altLang="fr-FR" smtClean="0"/>
+              <a:rPr lang="fr-FR" altLang="fr-FR"/>
               <a:t>Définissez une convention de nommage</a:t>
             </a:r>
           </a:p>
           <a:p>
             <a:pPr lvl="1"/>
             <a:r>
-              <a:rPr lang="fr-FR" altLang="fr-FR" smtClean="0"/>
+              <a:rPr lang="fr-FR" altLang="fr-FR"/>
               <a:t>Recherchez dans l’objet les méthodes qui apparient la convention de nommage</a:t>
             </a:r>
           </a:p>
           <a:p>
             <a:pPr lvl="1"/>
             <a:r>
-              <a:rPr lang="fr-FR" altLang="fr-FR" smtClean="0"/>
+              <a:rPr lang="fr-FR" altLang="fr-FR"/>
               <a:t>Par exemple : </a:t>
             </a:r>
             <a:r>
-              <a:rPr lang="fr-FR" altLang="fr-FR" smtClean="0">
+              <a:rPr lang="fr-FR" altLang="fr-FR">
                 <a:latin typeface="Courier New" panose="02070309020205020404" pitchFamily="49" charset="0"/>
               </a:rPr>
               <a:t>JUnit</a:t>
             </a:r>
             <a:r>
-              <a:rPr lang="fr-FR" altLang="fr-FR" smtClean="0"/>
+              <a:rPr lang="fr-FR" altLang="fr-FR"/>
               <a:t> et les méthodes </a:t>
             </a:r>
             <a:r>
-              <a:rPr lang="fr-FR" altLang="fr-FR" smtClean="0">
+              <a:rPr lang="fr-FR" altLang="fr-FR">
                 <a:latin typeface="Courier New" panose="02070309020205020404" pitchFamily="49" charset="0"/>
               </a:rPr>
               <a:t>testX()</a:t>
             </a:r>
-            <a:endParaRPr lang="fr-FR" altLang="fr-FR" smtClean="0"/>
+            <a:endParaRPr lang="fr-FR" altLang="fr-FR"/>
           </a:p>
           <a:p>
             <a:pPr lvl="1"/>
-            <a:endParaRPr lang="fr-FR" altLang="fr-FR" smtClean="0"/>
+            <a:endParaRPr lang="fr-FR" altLang="fr-FR"/>
           </a:p>
           <a:p>
             <a:pPr lvl="1"/>
-            <a:endParaRPr lang="fr-FR" altLang="fr-FR" smtClean="0"/>
+            <a:endParaRPr lang="fr-FR" altLang="fr-FR"/>
           </a:p>
           <a:p>
             <a:pPr lvl="1"/>
-            <a:endParaRPr lang="fr-FR" altLang="fr-FR" smtClean="0"/>
+            <a:endParaRPr lang="fr-FR" altLang="fr-FR"/>
           </a:p>
           <a:p>
             <a:pPr lvl="1"/>
-            <a:endParaRPr lang="fr-FR" altLang="fr-FR" smtClean="0"/>
+            <a:endParaRPr lang="fr-FR" altLang="fr-FR"/>
           </a:p>
           <a:p>
             <a:pPr lvl="1"/>
-            <a:endParaRPr lang="fr-FR" altLang="fr-FR" smtClean="0"/>
+            <a:endParaRPr lang="fr-FR" altLang="fr-FR"/>
           </a:p>
           <a:p>
             <a:pPr lvl="1"/>
-            <a:endParaRPr lang="fr-FR" altLang="fr-FR" smtClean="0"/>
+            <a:endParaRPr lang="fr-FR" altLang="fr-FR"/>
           </a:p>
           <a:p>
             <a:pPr lvl="1"/>
-            <a:endParaRPr lang="fr-FR" altLang="fr-FR" smtClean="0"/>
+            <a:endParaRPr lang="fr-FR" altLang="fr-FR"/>
           </a:p>
           <a:p>
             <a:pPr lvl="1"/>
-            <a:endParaRPr lang="fr-FR" altLang="fr-FR" smtClean="0"/>
-          </a:p>
-          <a:p>
-            <a:r>
-              <a:rPr lang="fr-FR" altLang="fr-FR" smtClean="0"/>
+            <a:endParaRPr lang="fr-FR" altLang="fr-FR"/>
+          </a:p>
+          <a:p>
+            <a:r>
+              <a:rPr lang="fr-FR" altLang="fr-FR"/>
               <a:t> Minimisez l’emploi de la réflexion</a:t>
             </a:r>
           </a:p>
           <a:p>
             <a:pPr lvl="1"/>
             <a:r>
-              <a:rPr lang="fr-FR" altLang="fr-FR" smtClean="0"/>
+              <a:rPr lang="fr-FR" altLang="fr-FR"/>
               <a:t>La définition d’interfaces devrait toujours être votre première option</a:t>
             </a:r>
           </a:p>
@@ -7107,31 +7066,31 @@
               <a:defRPr/>
             </a:pPr>
             <a:r>
-              <a:rPr lang="en-US" sz="2000" dirty="0" smtClean="0">
+              <a:rPr lang="en-US" sz="2000" dirty="0">
                 <a:latin typeface="Courier New" pitchFamily="49" charset="0"/>
               </a:rPr>
               <a:t>Method[] methods = </a:t>
             </a:r>
             <a:r>
-              <a:rPr lang="en-US" sz="2000" dirty="0" err="1" smtClean="0">
+              <a:rPr lang="en-US" sz="2000" dirty="0" err="1">
                 <a:latin typeface="Courier New" pitchFamily="49" charset="0"/>
               </a:rPr>
               <a:t>obj.getClass</a:t>
             </a:r>
             <a:r>
-              <a:rPr lang="en-US" sz="2000" dirty="0" smtClean="0">
+              <a:rPr lang="en-US" sz="2000" dirty="0">
                 <a:latin typeface="Courier New" pitchFamily="49" charset="0"/>
               </a:rPr>
               <a:t>().</a:t>
             </a:r>
             <a:r>
-              <a:rPr lang="en-US" sz="2000" dirty="0" err="1" smtClean="0">
+              <a:rPr lang="en-US" sz="2000" dirty="0" err="1">
                 <a:latin typeface="Courier New" pitchFamily="49" charset="0"/>
               </a:rPr>
               <a:t>getMethods</a:t>
             </a:r>
             <a:r>
-              <a:rPr lang="en-US" sz="2000" dirty="0" smtClean="0">
+              <a:rPr lang="en-US" sz="2000" dirty="0">
                 <a:latin typeface="Courier New" pitchFamily="49" charset="0"/>
               </a:rPr>
               <a:t>();</a:t>
@@ -7142,7 +7101,7 @@
               <a:defRPr/>
             </a:pPr>
             <a:r>
-              <a:rPr lang="en-US" sz="2000" dirty="0" smtClean="0">
+              <a:rPr lang="en-US" sz="2000" dirty="0">
                 <a:latin typeface="Courier New" pitchFamily="49" charset="0"/>
               </a:rPr>
               <a:t>for (Method m : methods) {</a:t>
@@ -7153,57 +7112,57 @@
               <a:defRPr/>
             </a:pPr>
             <a:r>
-              <a:rPr lang="en-US" sz="2000" dirty="0" smtClean="0">
+              <a:rPr lang="en-US" sz="2000" dirty="0">
                 <a:latin typeface="Courier New" pitchFamily="49" charset="0"/>
               </a:rPr>
               <a:t>   if (</a:t>
             </a:r>
             <a:r>
-              <a:rPr lang="en-US" sz="2000" b="1" dirty="0" err="1" smtClean="0">
+              <a:rPr lang="en-US" sz="2000" b="1" dirty="0" err="1">
                 <a:latin typeface="Courier New" pitchFamily="49" charset="0"/>
               </a:rPr>
               <a:t>m.getName</a:t>
             </a:r>
             <a:r>
-              <a:rPr lang="en-US" sz="2000" b="1" dirty="0" smtClean="0">
+              <a:rPr lang="en-US" sz="2000" b="1" dirty="0">
                 <a:latin typeface="Courier New" pitchFamily="49" charset="0"/>
               </a:rPr>
               <a:t>().</a:t>
             </a:r>
             <a:r>
-              <a:rPr lang="en-US" sz="2000" b="1" dirty="0" err="1" smtClean="0">
+              <a:rPr lang="en-US" sz="2000" b="1" dirty="0" err="1">
                 <a:latin typeface="Courier New" pitchFamily="49" charset="0"/>
               </a:rPr>
               <a:t>startsWith</a:t>
             </a:r>
             <a:r>
-              <a:rPr lang="en-US" sz="2000" b="1" dirty="0" smtClean="0">
+              <a:rPr lang="en-US" sz="2000" b="1" dirty="0">
                 <a:latin typeface="Courier New" pitchFamily="49" charset="0"/>
               </a:rPr>
               <a:t>(</a:t>
             </a:r>
             <a:r>
-              <a:rPr lang="en-US" sz="2000" dirty="0" smtClean="0"/>
+              <a:rPr lang="en-US" sz="2000" dirty="0"/>
               <a:t>"</a:t>
             </a:r>
             <a:r>
-              <a:rPr lang="en-US" sz="2000" b="1" dirty="0" smtClean="0">
+              <a:rPr lang="en-US" sz="2000" b="1" dirty="0">
                 <a:latin typeface="Courier New" pitchFamily="49" charset="0"/>
               </a:rPr>
               <a:t>test</a:t>
             </a:r>
             <a:r>
-              <a:rPr lang="en-US" sz="2000" dirty="0" smtClean="0"/>
+              <a:rPr lang="en-US" sz="2000" dirty="0"/>
               <a:t>"</a:t>
             </a:r>
             <a:r>
-              <a:rPr lang="en-US" sz="2000" b="1" dirty="0" smtClean="0">
+              <a:rPr lang="en-US" sz="2000" b="1" dirty="0">
                 <a:latin typeface="Courier New" pitchFamily="49" charset="0"/>
               </a:rPr>
               <a:t>)</a:t>
             </a:r>
             <a:r>
-              <a:rPr lang="en-US" sz="2000" dirty="0" smtClean="0">
+              <a:rPr lang="en-US" sz="2000" dirty="0">
                 <a:latin typeface="Courier New" pitchFamily="49" charset="0"/>
               </a:rPr>
               <a:t>) {</a:t>
@@ -7214,30 +7173,30 @@
               <a:defRPr/>
             </a:pPr>
             <a:r>
-              <a:rPr lang="en-US" sz="2000" dirty="0" smtClean="0">
+              <a:rPr lang="en-US" sz="2000" dirty="0">
                 <a:latin typeface="Courier New" pitchFamily="49" charset="0"/>
               </a:rPr>
               <a:t>       // invocation de </a:t>
             </a:r>
             <a:r>
-              <a:rPr lang="en-US" sz="2000" dirty="0" err="1" smtClean="0">
+              <a:rPr lang="en-US" sz="2000" dirty="0" err="1">
                 <a:latin typeface="Courier New" pitchFamily="49" charset="0"/>
               </a:rPr>
               <a:t>méthode</a:t>
             </a:r>
             <a:r>
-              <a:rPr lang="en-US" sz="2000" dirty="0" smtClean="0">
+              <a:rPr lang="en-US" sz="2000" dirty="0">
                 <a:latin typeface="Courier New" pitchFamily="49" charset="0"/>
               </a:rPr>
               <a:t> sans </a:t>
             </a:r>
             <a:r>
-              <a:rPr lang="en-US" sz="2000" dirty="0" err="1" smtClean="0">
+              <a:rPr lang="en-US" sz="2000" dirty="0" err="1">
                 <a:latin typeface="Courier New" pitchFamily="49" charset="0"/>
               </a:rPr>
               <a:t>paramètre</a:t>
             </a:r>
-            <a:endParaRPr lang="en-US" sz="2000" dirty="0" smtClean="0">
+            <a:endParaRPr lang="en-US" sz="2000" dirty="0">
               <a:latin typeface="Courier New" pitchFamily="49" charset="0"/>
             </a:endParaRPr>
           </a:p>
@@ -7246,31 +7205,31 @@
               <a:defRPr/>
             </a:pPr>
             <a:r>
-              <a:rPr lang="en-US" sz="2000" dirty="0" smtClean="0">
+              <a:rPr lang="en-US" sz="2000" dirty="0">
                 <a:latin typeface="Courier New" pitchFamily="49" charset="0"/>
               </a:rPr>
               <a:t>       </a:t>
             </a:r>
             <a:r>
-              <a:rPr lang="en-US" sz="2000" dirty="0" err="1" smtClean="0">
+              <a:rPr lang="en-US" sz="2000" dirty="0" err="1">
                 <a:latin typeface="Courier New" pitchFamily="49" charset="0"/>
               </a:rPr>
               <a:t>m.invoke</a:t>
             </a:r>
             <a:r>
-              <a:rPr lang="en-US" sz="2000" dirty="0" smtClean="0">
+              <a:rPr lang="en-US" sz="2000" dirty="0">
                 <a:latin typeface="Courier New" pitchFamily="49" charset="0"/>
               </a:rPr>
               <a:t>(</a:t>
             </a:r>
             <a:r>
-              <a:rPr lang="en-US" sz="2000" dirty="0" err="1" smtClean="0">
+              <a:rPr lang="en-US" sz="2000" dirty="0" err="1">
                 <a:latin typeface="Courier New" pitchFamily="49" charset="0"/>
               </a:rPr>
               <a:t>obj</a:t>
             </a:r>
             <a:r>
-              <a:rPr lang="en-US" sz="2000" dirty="0" smtClean="0">
+              <a:rPr lang="en-US" sz="2000" dirty="0">
                 <a:latin typeface="Courier New" pitchFamily="49" charset="0"/>
               </a:rPr>
               <a:t>, (Object[]) null);</a:t>
@@ -7281,7 +7240,7 @@
               <a:defRPr/>
             </a:pPr>
             <a:r>
-              <a:rPr lang="en-US" sz="2000" dirty="0" smtClean="0">
+              <a:rPr lang="en-US" sz="2000" dirty="0">
                 <a:latin typeface="Courier New" pitchFamily="49" charset="0"/>
               </a:rPr>
               <a:t>   }</a:t>
@@ -7292,7 +7251,7 @@
               <a:defRPr/>
             </a:pPr>
             <a:r>
-              <a:rPr lang="en-US" sz="2000" dirty="0" smtClean="0">
+              <a:rPr lang="en-US" sz="2000" dirty="0">
                 <a:latin typeface="Courier New" pitchFamily="49" charset="0"/>
               </a:rPr>
               <a:t>}</a:t>
@@ -7305,13 +7264,6 @@
   <p:clrMapOvr>
     <a:masterClrMapping/>
   </p:clrMapOvr>
-  <p:timing>
-    <p:tnLst>
-      <p:par>
-        <p:cTn id="1" dur="indefinite" restart="never" nodeType="tmRoot"/>
-      </p:par>
-    </p:tnLst>
-  </p:timing>
 </p:sld>
 </file>
 
@@ -7348,7 +7300,7 @@
           <a:lstStyle/>
           <a:p>
             <a:r>
-              <a:rPr lang="fr-FR" altLang="fr-FR" smtClean="0"/>
+              <a:rPr lang="fr-FR" altLang="fr-FR"/>
               <a:t>Spring et JEE</a:t>
             </a:r>
           </a:p>
@@ -7370,13 +7322,13 @@
           <a:lstStyle/>
           <a:p>
             <a:r>
-              <a:rPr lang="fr-FR" altLang="fr-FR" smtClean="0"/>
+              <a:rPr lang="fr-FR" altLang="fr-FR"/>
               <a:t>L'injection a été définie dans JSE 6</a:t>
             </a:r>
           </a:p>
           <a:p>
             <a:r>
-              <a:rPr lang="fr-FR" altLang="fr-FR" smtClean="0"/>
+              <a:rPr lang="fr-FR" altLang="fr-FR"/>
               <a:t>@Inject est équivalent à @Autowired</a:t>
             </a:r>
           </a:p>
@@ -7428,7 +7380,7 @@
           <a:lstStyle/>
           <a:p>
             <a:r>
-              <a:rPr lang="fr-FR" altLang="fr-FR" smtClean="0"/>
+              <a:rPr lang="fr-FR" altLang="fr-FR"/>
               <a:t>Réflexion pour les accesseurs et les mutateurs</a:t>
             </a:r>
           </a:p>
@@ -7455,41 +7407,41 @@
           <a:lstStyle/>
           <a:p>
             <a:r>
-              <a:rPr lang="fr-FR" altLang="fr-FR" sz="2400" smtClean="0"/>
+              <a:rPr lang="fr-FR" altLang="fr-FR" sz="2400"/>
               <a:t>Si un framework a besoin de connaître les accesseurs et les mutateurs, utilisez des JavaBeans</a:t>
             </a:r>
           </a:p>
           <a:p>
             <a:r>
-              <a:rPr lang="fr-FR" altLang="fr-FR" sz="2400" smtClean="0"/>
+              <a:rPr lang="fr-FR" altLang="fr-FR" sz="2400"/>
               <a:t>Un JavaBean n’est qu’une classe qui respecte certaines conventions</a:t>
             </a:r>
           </a:p>
           <a:p>
             <a:pPr lvl="1"/>
             <a:r>
-              <a:rPr lang="fr-FR" altLang="fr-FR" sz="2000" smtClean="0"/>
+              <a:rPr lang="fr-FR" altLang="fr-FR" sz="2000"/>
               <a:t>Doit avoir un constructeur sans paramètre</a:t>
             </a:r>
           </a:p>
           <a:p>
             <a:pPr lvl="1"/>
             <a:r>
-              <a:rPr lang="fr-FR" altLang="fr-FR" sz="2000" smtClean="0"/>
+              <a:rPr lang="fr-FR" altLang="fr-FR" sz="2000"/>
               <a:t>Conventions de nommage classiques pour :</a:t>
             </a:r>
           </a:p>
           <a:p>
             <a:pPr lvl="2"/>
             <a:r>
-              <a:rPr lang="fr-FR" altLang="fr-FR" sz="1800" smtClean="0"/>
+              <a:rPr lang="fr-FR" altLang="fr-FR" sz="1800"/>
               <a:t>Accesseurs et mutateurs</a:t>
             </a:r>
           </a:p>
           <a:p>
             <a:pPr lvl="3"/>
             <a:r>
-              <a:rPr lang="fr-FR" altLang="fr-FR" sz="1600" smtClean="0">
+              <a:rPr lang="fr-FR" altLang="fr-FR" sz="1600">
                 <a:latin typeface="Courier New" panose="02070309020205020404" pitchFamily="49" charset="0"/>
               </a:rPr>
               <a:t>void setSalePrice(double salePrice)</a:t>
@@ -7498,24 +7450,24 @@
           <a:p>
             <a:pPr lvl="3"/>
             <a:r>
-              <a:rPr lang="fr-FR" altLang="fr-FR" sz="1600" smtClean="0">
+              <a:rPr lang="fr-FR" altLang="fr-FR" sz="1600">
                 <a:latin typeface="Courier New" panose="02070309020205020404" pitchFamily="49" charset="0"/>
               </a:rPr>
               <a:t>double getSalePrice()</a:t>
             </a:r>
-            <a:endParaRPr lang="fr-FR" altLang="fr-FR" sz="1600" smtClean="0"/>
+            <a:endParaRPr lang="fr-FR" altLang="fr-FR" sz="1600"/>
           </a:p>
           <a:p>
             <a:pPr lvl="2"/>
             <a:r>
-              <a:rPr lang="fr-FR" altLang="fr-FR" sz="1800" smtClean="0"/>
+              <a:rPr lang="fr-FR" altLang="fr-FR" sz="1800"/>
               <a:t>Auditeurs</a:t>
             </a:r>
           </a:p>
           <a:p>
             <a:pPr lvl="3"/>
             <a:r>
-              <a:rPr lang="fr-FR" altLang="fr-FR" sz="1600" smtClean="0">
+              <a:rPr lang="fr-FR" altLang="fr-FR" sz="1600">
                 <a:latin typeface="Courier New" panose="02070309020205020404" pitchFamily="49" charset="0"/>
               </a:rPr>
               <a:t>addXListener()</a:t>
@@ -7524,11 +7476,11 @@
           <a:p>
             <a:pPr lvl="1"/>
             <a:r>
-              <a:rPr lang="fr-FR" altLang="fr-FR" sz="2000" smtClean="0"/>
+              <a:rPr lang="fr-FR" altLang="fr-FR" sz="2000"/>
               <a:t>Doit implémenter </a:t>
             </a:r>
             <a:r>
-              <a:rPr lang="fr-FR" altLang="fr-FR" sz="2000" smtClean="0">
+              <a:rPr lang="fr-FR" altLang="fr-FR" sz="2000">
                 <a:latin typeface="Courier New" panose="02070309020205020404" pitchFamily="49" charset="0"/>
               </a:rPr>
               <a:t>java.io.Serializable</a:t>
@@ -7541,13 +7493,6 @@
   <p:clrMapOvr>
     <a:masterClrMapping/>
   </p:clrMapOvr>
-  <p:timing>
-    <p:tnLst>
-      <p:par>
-        <p:cTn id="1" dur="indefinite" restart="never" nodeType="tmRoot"/>
-      </p:par>
-    </p:tnLst>
-  </p:timing>
 </p:sld>
 </file>
 
@@ -7584,7 +7529,7 @@
           <a:lstStyle/>
           <a:p>
             <a:r>
-              <a:rPr lang="fr-FR" altLang="fr-FR" smtClean="0"/>
+              <a:rPr lang="fr-FR" altLang="fr-FR"/>
               <a:t>Extraire les propriétés d’un JavaBean</a:t>
             </a:r>
           </a:p>
@@ -7611,58 +7556,58 @@
           <a:lstStyle/>
           <a:p>
             <a:r>
-              <a:rPr lang="fr-FR" altLang="fr-FR" sz="2400" smtClean="0"/>
+              <a:rPr lang="fr-FR" altLang="fr-FR" sz="2400"/>
               <a:t>Un framework peut utiliser l’introspection pour extraire les propriétés d’un JavaBean</a:t>
             </a:r>
           </a:p>
           <a:p>
             <a:pPr lvl="1"/>
             <a:r>
-              <a:rPr lang="fr-FR" altLang="fr-FR" sz="2000" smtClean="0">
+              <a:rPr lang="fr-FR" altLang="fr-FR" sz="2000">
                 <a:cs typeface="Times New Roman" panose="02020603050405020304" pitchFamily="18" charset="0"/>
               </a:rPr>
               <a:t>Les </a:t>
             </a:r>
             <a:r>
-              <a:rPr lang="fr-FR" altLang="fr-FR" sz="2000" smtClean="0"/>
+              <a:rPr lang="fr-FR" altLang="fr-FR" sz="2000"/>
               <a:t>JavaBeans ont été conçus </a:t>
             </a:r>
             <a:r>
-              <a:rPr lang="fr-FR" altLang="fr-FR" sz="2000" smtClean="0">
+              <a:rPr lang="fr-FR" altLang="fr-FR" sz="2000">
                 <a:cs typeface="Times New Roman" panose="02020603050405020304" pitchFamily="18" charset="0"/>
               </a:rPr>
               <a:t>à l’origine comme une technologie IHM</a:t>
             </a:r>
             <a:br>
-              <a:rPr lang="fr-FR" altLang="fr-FR" sz="2000" smtClean="0">
+              <a:rPr lang="fr-FR" altLang="fr-FR" sz="2000">
                 <a:cs typeface="Times New Roman" panose="02020603050405020304" pitchFamily="18" charset="0"/>
               </a:rPr>
             </a:br>
             <a:r>
-              <a:rPr lang="fr-FR" altLang="fr-FR" sz="2000" smtClean="0">
+              <a:rPr lang="fr-FR" altLang="fr-FR" sz="2000">
                 <a:cs typeface="Times New Roman" panose="02020603050405020304" pitchFamily="18" charset="0"/>
               </a:rPr>
               <a:t>côté client</a:t>
             </a:r>
-            <a:endParaRPr lang="fr-FR" altLang="fr-FR" sz="2000" smtClean="0"/>
+            <a:endParaRPr lang="fr-FR" altLang="fr-FR" sz="2000"/>
           </a:p>
           <a:p>
             <a:pPr lvl="1"/>
             <a:r>
-              <a:rPr lang="fr-FR" altLang="fr-FR" sz="2000" smtClean="0">
+              <a:rPr lang="fr-FR" altLang="fr-FR" sz="2000">
                 <a:latin typeface="Courier New" panose="02070309020205020404" pitchFamily="49" charset="0"/>
               </a:rPr>
               <a:t>Introspector</a:t>
             </a:r>
             <a:r>
-              <a:rPr lang="fr-FR" altLang="fr-FR" sz="2000" smtClean="0"/>
+              <a:rPr lang="fr-FR" altLang="fr-FR" sz="2000"/>
               <a:t> opère sur les propriétés d’un bean</a:t>
             </a:r>
           </a:p>
           <a:p>
             <a:pPr lvl="1"/>
             <a:r>
-              <a:rPr lang="fr-FR" altLang="fr-FR" sz="2000" smtClean="0"/>
+              <a:rPr lang="fr-FR" altLang="fr-FR" sz="2000"/>
               <a:t>Le nommage des accesseurs, etc. peut ne pas respecter les conventions</a:t>
             </a:r>
           </a:p>
@@ -7673,13 +7618,6 @@
   <p:clrMapOvr>
     <a:masterClrMapping/>
   </p:clrMapOvr>
-  <p:timing>
-    <p:tnLst>
-      <p:par>
-        <p:cTn id="1" dur="indefinite" restart="never" nodeType="tmRoot"/>
-      </p:par>
-    </p:tnLst>
-  </p:timing>
 </p:sld>
 </file>
 
@@ -7716,7 +7654,7 @@
           <a:lstStyle/>
           <a:p>
             <a:r>
-              <a:rPr lang="fr-FR" altLang="fr-FR" smtClean="0"/>
+              <a:rPr lang="fr-FR" altLang="fr-FR"/>
               <a:t>Extraire les propriétés d’un JavaBean</a:t>
             </a:r>
           </a:p>
@@ -8112,13 +8050,6 @@
   <p:clrMapOvr>
     <a:masterClrMapping/>
   </p:clrMapOvr>
-  <p:timing>
-    <p:tnLst>
-      <p:par>
-        <p:cTn id="1" dur="indefinite" restart="never" nodeType="tmRoot"/>
-      </p:par>
-    </p:tnLst>
-  </p:timing>
 </p:sld>
 </file>
 
@@ -8155,7 +8086,7 @@
           <a:lstStyle/>
           <a:p>
             <a:r>
-              <a:rPr lang="fr-FR" altLang="fr-FR" smtClean="0"/>
+              <a:rPr lang="fr-FR" altLang="fr-FR"/>
               <a:t>Fabrique : Avantages</a:t>
             </a:r>
           </a:p>
@@ -8185,7 +8116,7 @@
               <a:defRPr/>
             </a:pPr>
             <a:r>
-              <a:rPr lang="fr-FR" sz="2400" dirty="0" smtClean="0"/>
+              <a:rPr lang="fr-FR" sz="2400" dirty="0"/>
               <a:t>Une fabrique est utilisée pour masquer les classes d’implémentation au code client </a:t>
             </a:r>
           </a:p>
@@ -8194,7 +8125,7 @@
               <a:defRPr/>
             </a:pPr>
             <a:r>
-              <a:rPr lang="fr-FR" sz="2000" dirty="0" smtClean="0"/>
+              <a:rPr lang="fr-FR" sz="2000" dirty="0"/>
               <a:t>Les clients s’adressent à la fabrique pour obtenir la bonne implémentation </a:t>
             </a:r>
           </a:p>
@@ -8203,7 +8134,7 @@
               <a:defRPr/>
             </a:pPr>
             <a:r>
-              <a:rPr lang="fr-FR" sz="2000" dirty="0" smtClean="0"/>
+              <a:rPr lang="fr-FR" sz="2000" dirty="0"/>
               <a:t>Les clients ne dépendent que de la fabrique et de l’interface</a:t>
             </a:r>
           </a:p>
@@ -8212,7 +8143,7 @@
               <a:defRPr/>
             </a:pPr>
             <a:r>
-              <a:rPr lang="fr-FR" sz="1800" dirty="0" smtClean="0"/>
+              <a:rPr lang="fr-FR" sz="1800" dirty="0"/>
               <a:t>Ils n’ont pas à savoir quelle implémentation est actuellement utilisée</a:t>
             </a:r>
           </a:p>
@@ -8220,13 +8151,13 @@
             <a:pPr lvl="1">
               <a:defRPr/>
             </a:pPr>
-            <a:endParaRPr lang="fr-FR" sz="2000" dirty="0" smtClean="0"/>
+            <a:endParaRPr lang="fr-FR" sz="2000" dirty="0"/>
           </a:p>
           <a:p>
             <a:pPr lvl="1">
               <a:defRPr/>
             </a:pPr>
-            <a:endParaRPr lang="fr-FR" sz="2000" dirty="0" smtClean="0"/>
+            <a:endParaRPr lang="fr-FR" sz="2000" dirty="0"/>
           </a:p>
           <a:p>
             <a:pPr marL="457200" lvl="1" indent="0">
@@ -8234,7 +8165,7 @@
               <a:buNone/>
               <a:defRPr/>
             </a:pPr>
-            <a:endParaRPr lang="fr-FR" sz="2000" dirty="0" smtClean="0"/>
+            <a:endParaRPr lang="fr-FR" sz="2000" dirty="0"/>
           </a:p>
         </p:txBody>
       </p:sp>
@@ -8380,31 +8311,31 @@
               <a:defRPr/>
             </a:pPr>
             <a:r>
-              <a:rPr lang="en-US" sz="1800" dirty="0" smtClean="0">
+              <a:rPr lang="en-US" sz="1800" dirty="0">
                 <a:latin typeface="Courier New" pitchFamily="49" charset="0"/>
               </a:rPr>
               <a:t>// </a:t>
             </a:r>
             <a:r>
-              <a:rPr lang="en-US" sz="1800" dirty="0" err="1" smtClean="0">
+              <a:rPr lang="en-US" sz="1800" dirty="0" err="1">
                 <a:latin typeface="Courier New" pitchFamily="49" charset="0"/>
               </a:rPr>
               <a:t>Dans</a:t>
             </a:r>
             <a:r>
-              <a:rPr lang="en-US" sz="1800" dirty="0" smtClean="0">
+              <a:rPr lang="en-US" sz="1800" dirty="0">
                 <a:latin typeface="Courier New" pitchFamily="49" charset="0"/>
               </a:rPr>
               <a:t> </a:t>
             </a:r>
             <a:r>
-              <a:rPr lang="en-US" sz="1800" b="1" dirty="0" smtClean="0">
+              <a:rPr lang="en-US" sz="1800" b="1" dirty="0">
                 <a:latin typeface="Courier New" pitchFamily="49" charset="0"/>
               </a:rPr>
               <a:t>PromotionAnalysisServiceFactory</a:t>
             </a:r>
             <a:r>
-              <a:rPr lang="en-US" sz="1800" dirty="0" smtClean="0">
+              <a:rPr lang="en-US" sz="1800" dirty="0">
                 <a:latin typeface="Courier New" pitchFamily="49" charset="0"/>
               </a:rPr>
               <a:t>.java</a:t>
@@ -8415,25 +8346,25 @@
               <a:defRPr/>
             </a:pPr>
             <a:r>
-              <a:rPr lang="en-US" sz="1800" dirty="0" err="1" smtClean="0">
+              <a:rPr lang="en-US" sz="1800" dirty="0" err="1">
                 <a:latin typeface="Courier New" pitchFamily="49" charset="0"/>
               </a:rPr>
               <a:t>PromotionAnalysisService</a:t>
             </a:r>
             <a:r>
-              <a:rPr lang="en-US" sz="1800" dirty="0" smtClean="0">
+              <a:rPr lang="en-US" sz="1800" dirty="0">
                 <a:latin typeface="Courier New" pitchFamily="49" charset="0"/>
               </a:rPr>
               <a:t> </a:t>
             </a:r>
             <a:r>
-              <a:rPr lang="en-US" sz="1800" dirty="0" err="1" smtClean="0">
+              <a:rPr lang="en-US" sz="1800" dirty="0" err="1">
                 <a:latin typeface="Courier New" pitchFamily="49" charset="0"/>
               </a:rPr>
               <a:t>newPromotionAnalysisService</a:t>
             </a:r>
             <a:r>
-              <a:rPr lang="en-US" sz="1800" dirty="0" smtClean="0">
+              <a:rPr lang="en-US" sz="1800" dirty="0">
                 <a:latin typeface="Courier New" pitchFamily="49" charset="0"/>
               </a:rPr>
               <a:t>() {</a:t>
@@ -8444,19 +8375,19 @@
               <a:defRPr/>
             </a:pPr>
             <a:r>
-              <a:rPr lang="en-US" sz="1800" dirty="0" smtClean="0">
+              <a:rPr lang="en-US" sz="1800" dirty="0">
                 <a:latin typeface="Courier New" pitchFamily="49" charset="0"/>
               </a:rPr>
               <a:t>   return new </a:t>
             </a:r>
             <a:r>
-              <a:rPr lang="en-US" sz="1800" dirty="0" err="1" smtClean="0">
+              <a:rPr lang="en-US" sz="1800" dirty="0" err="1">
                 <a:latin typeface="Courier New" pitchFamily="49" charset="0"/>
               </a:rPr>
               <a:t>PromotionAnalysisServiceReorderedLoopImpl</a:t>
             </a:r>
             <a:r>
-              <a:rPr lang="en-US" sz="1800" dirty="0" smtClean="0">
+              <a:rPr lang="en-US" sz="1800" dirty="0">
                 <a:latin typeface="Courier New" pitchFamily="49" charset="0"/>
               </a:rPr>
               <a:t>();</a:t>
@@ -8467,7 +8398,7 @@
               <a:defRPr/>
             </a:pPr>
             <a:r>
-              <a:rPr lang="en-US" sz="1800" dirty="0" smtClean="0">
+              <a:rPr lang="en-US" sz="1800" dirty="0">
                 <a:latin typeface="Courier New" pitchFamily="49" charset="0"/>
               </a:rPr>
               <a:t>}</a:t>
@@ -8617,31 +8548,31 @@
               <a:defRPr/>
             </a:pPr>
             <a:r>
-              <a:rPr lang="en-US" sz="1800" dirty="0" smtClean="0">
+              <a:rPr lang="en-US" sz="1800" dirty="0">
                 <a:latin typeface="Courier New" pitchFamily="49" charset="0"/>
               </a:rPr>
               <a:t>// </a:t>
             </a:r>
             <a:r>
-              <a:rPr lang="en-US" sz="1800" dirty="0" err="1" smtClean="0">
+              <a:rPr lang="en-US" sz="1800" dirty="0" err="1">
                 <a:latin typeface="Courier New" pitchFamily="49" charset="0"/>
               </a:rPr>
               <a:t>Dans</a:t>
             </a:r>
             <a:r>
-              <a:rPr lang="en-US" sz="1800" dirty="0" smtClean="0">
+              <a:rPr lang="en-US" sz="1800" dirty="0">
                 <a:latin typeface="Courier New" pitchFamily="49" charset="0"/>
               </a:rPr>
               <a:t> </a:t>
             </a:r>
             <a:r>
-              <a:rPr lang="en-US" sz="1800" b="1" dirty="0" smtClean="0">
+              <a:rPr lang="en-US" sz="1800" b="1" dirty="0">
                 <a:latin typeface="Courier New" pitchFamily="49" charset="0"/>
               </a:rPr>
               <a:t>ResultsPanel</a:t>
             </a:r>
             <a:r>
-              <a:rPr lang="en-US" sz="1800" dirty="0" smtClean="0">
+              <a:rPr lang="en-US" sz="1800" dirty="0">
                 <a:latin typeface="Courier New" pitchFamily="49" charset="0"/>
               </a:rPr>
               <a:t>.java (client)</a:t>
@@ -8652,31 +8583,31 @@
               <a:defRPr/>
             </a:pPr>
             <a:r>
-              <a:rPr lang="en-US" sz="1800" dirty="0" smtClean="0">
+              <a:rPr lang="en-US" sz="1800" dirty="0">
                 <a:latin typeface="Courier New" pitchFamily="49" charset="0"/>
               </a:rPr>
               <a:t>private </a:t>
             </a:r>
             <a:r>
-              <a:rPr lang="en-US" sz="1800" b="1" dirty="0" err="1" smtClean="0">
+              <a:rPr lang="en-US" sz="1800" b="1" dirty="0" err="1">
                 <a:latin typeface="Courier New" pitchFamily="49" charset="0"/>
               </a:rPr>
               <a:t>PromotionAnalysisService</a:t>
             </a:r>
             <a:r>
-              <a:rPr lang="en-US" sz="1800" dirty="0" smtClean="0">
+              <a:rPr lang="en-US" sz="1800" dirty="0">
                 <a:latin typeface="Courier New" pitchFamily="49" charset="0"/>
               </a:rPr>
               <a:t> </a:t>
             </a:r>
             <a:r>
-              <a:rPr lang="en-US" sz="1800" dirty="0" err="1" smtClean="0">
+              <a:rPr lang="en-US" sz="1800" dirty="0" err="1">
                 <a:latin typeface="Courier New" pitchFamily="49" charset="0"/>
               </a:rPr>
               <a:t>analysisService</a:t>
             </a:r>
             <a:r>
-              <a:rPr lang="en-US" sz="1800" dirty="0" smtClean="0">
+              <a:rPr lang="en-US" sz="1800" dirty="0">
                 <a:latin typeface="Courier New" pitchFamily="49" charset="0"/>
               </a:rPr>
               <a:t> =</a:t>
@@ -8687,25 +8618,25 @@
               <a:defRPr/>
             </a:pPr>
             <a:r>
-              <a:rPr lang="en-US" sz="1800" dirty="0" smtClean="0">
+              <a:rPr lang="en-US" sz="1800" dirty="0">
                 <a:latin typeface="Courier New" pitchFamily="49" charset="0"/>
               </a:rPr>
               <a:t>             </a:t>
             </a:r>
             <a:r>
-              <a:rPr lang="en-US" sz="1800" b="1" dirty="0" err="1" smtClean="0">
+              <a:rPr lang="en-US" sz="1800" b="1" dirty="0" err="1">
                 <a:latin typeface="Courier New" pitchFamily="49" charset="0"/>
               </a:rPr>
               <a:t>PromotionAnalysisServiceFactory.</a:t>
             </a:r>
             <a:r>
-              <a:rPr lang="en-US" sz="1800" dirty="0" err="1" smtClean="0">
+              <a:rPr lang="en-US" sz="1800" dirty="0" err="1">
                 <a:latin typeface="Courier New" pitchFamily="49" charset="0"/>
               </a:rPr>
               <a:t>newPromotionAnalysisService</a:t>
             </a:r>
             <a:r>
-              <a:rPr lang="en-US" sz="1800" dirty="0" smtClean="0">
+              <a:rPr lang="en-US" sz="1800" dirty="0">
                 <a:latin typeface="Courier New" pitchFamily="49" charset="0"/>
               </a:rPr>
               <a:t>();</a:t>
@@ -8718,13 +8649,6 @@
   <p:clrMapOvr>
     <a:masterClrMapping/>
   </p:clrMapOvr>
-  <p:timing>
-    <p:tnLst>
-      <p:par>
-        <p:cTn id="1" dur="indefinite" restart="never" nodeType="tmRoot"/>
-      </p:par>
-    </p:tnLst>
-  </p:timing>
 </p:sld>
 </file>
 
@@ -8761,15 +8685,15 @@
           <a:lstStyle/>
           <a:p>
             <a:r>
-              <a:rPr lang="fr-FR" altLang="fr-FR" smtClean="0"/>
+              <a:rPr lang="fr-FR" altLang="fr-FR"/>
               <a:t>Inversion de Contrôle (</a:t>
             </a:r>
             <a:r>
-              <a:rPr lang="fr-FR" altLang="fr-FR" i="1" smtClean="0"/>
+              <a:rPr lang="fr-FR" altLang="fr-FR" i="1"/>
               <a:t>IoC</a:t>
             </a:r>
             <a:r>
-              <a:rPr lang="fr-FR" altLang="fr-FR" smtClean="0"/>
+              <a:rPr lang="fr-FR" altLang="fr-FR"/>
               <a:t>)</a:t>
             </a:r>
           </a:p>
@@ -8796,54 +8720,54 @@
           <a:lstStyle/>
           <a:p>
             <a:r>
-              <a:rPr lang="fr-FR" altLang="fr-FR" sz="2400" smtClean="0"/>
+              <a:rPr lang="fr-FR" altLang="fr-FR" sz="2400"/>
               <a:t>Utiliser une fabrique à usage général plutôt qu’une fabrique personnalisée</a:t>
             </a:r>
           </a:p>
           <a:p>
             <a:pPr lvl="1"/>
             <a:r>
-              <a:rPr lang="fr-FR" altLang="fr-FR" sz="2000" smtClean="0"/>
+              <a:rPr lang="fr-FR" altLang="fr-FR" sz="2000"/>
               <a:t>Il n’est plus nécessaire d’écrire et de maintenir du code pour lire des fichiers de configuration spécifiques</a:t>
             </a:r>
           </a:p>
           <a:p>
             <a:pPr lvl="1"/>
             <a:r>
-              <a:rPr lang="fr-FR" altLang="fr-FR" sz="2000" smtClean="0"/>
+              <a:rPr lang="fr-FR" altLang="fr-FR" sz="2000"/>
               <a:t>Il faut un container permettant l’IoC</a:t>
             </a:r>
           </a:p>
           <a:p>
             <a:r>
-              <a:rPr lang="fr-FR" altLang="fr-FR" sz="2400" smtClean="0"/>
+              <a:rPr lang="fr-FR" altLang="fr-FR" sz="2400"/>
               <a:t>Les clients n’invoquent plus la fabrique directement</a:t>
             </a:r>
           </a:p>
           <a:p>
             <a:pPr lvl="1"/>
             <a:r>
-              <a:rPr lang="fr-FR" altLang="fr-FR" sz="2000" smtClean="0"/>
+              <a:rPr lang="fr-FR" altLang="fr-FR" sz="2000"/>
               <a:t>C’est la fabrique qui injecte les dépendances aux clients</a:t>
             </a:r>
           </a:p>
           <a:p>
             <a:pPr lvl="2"/>
             <a:r>
-              <a:rPr lang="fr-FR" altLang="fr-FR" sz="1800" smtClean="0"/>
+              <a:rPr lang="fr-FR" altLang="fr-FR" sz="1800"/>
               <a:t>Par invocation du constructeur ou par appel d’une méthode « setter »</a:t>
             </a:r>
           </a:p>
           <a:p>
             <a:r>
-              <a:rPr lang="fr-FR" altLang="fr-FR" sz="2600" smtClean="0"/>
+              <a:rPr lang="fr-FR" altLang="fr-FR" sz="2600"/>
               <a:t>Comment à partir d'une interface créé la classe concrète sans la connaitre</a:t>
             </a:r>
           </a:p>
           <a:p>
             <a:pPr lvl="1"/>
             <a:r>
-              <a:rPr lang="fr-FR" altLang="fr-FR" sz="2200" smtClean="0"/>
+              <a:rPr lang="fr-FR" altLang="fr-FR" sz="2200"/>
               <a:t>En passant par une fabrique et un paramètre</a:t>
             </a:r>
           </a:p>
@@ -8854,13 +8778,6 @@
   <p:clrMapOvr>
     <a:masterClrMapping/>
   </p:clrMapOvr>
-  <p:timing>
-    <p:tnLst>
-      <p:par>
-        <p:cTn id="1" dur="indefinite" restart="never" nodeType="tmRoot"/>
-      </p:par>
-    </p:tnLst>
-  </p:timing>
 </p:sld>
 </file>
 
@@ -8897,7 +8814,7 @@
           <a:lstStyle/>
           <a:p>
             <a:r>
-              <a:rPr lang="fr-FR" altLang="fr-FR" smtClean="0"/>
+              <a:rPr lang="fr-FR" altLang="fr-FR"/>
               <a:t>IoD</a:t>
             </a:r>
           </a:p>
@@ -8919,41 +8836,41 @@
           <a:lstStyle/>
           <a:p>
             <a:r>
-              <a:rPr lang="fr-FR" altLang="fr-FR" smtClean="0"/>
+              <a:rPr lang="fr-FR" altLang="fr-FR"/>
               <a:t>Certaines classes ont besoin d'une dépendance pour fonctionner</a:t>
             </a:r>
           </a:p>
           <a:p>
             <a:pPr lvl="1"/>
             <a:r>
-              <a:rPr lang="fr-FR" altLang="fr-FR" smtClean="0"/>
+              <a:rPr lang="fr-FR" altLang="fr-FR"/>
               <a:t>Paramètre d'un constructeur</a:t>
             </a:r>
           </a:p>
           <a:p>
             <a:pPr lvl="1"/>
             <a:r>
-              <a:rPr lang="fr-FR" altLang="fr-FR" smtClean="0"/>
+              <a:rPr lang="fr-FR" altLang="fr-FR"/>
               <a:t>Setter</a:t>
             </a:r>
           </a:p>
           <a:p>
             <a:r>
-              <a:rPr lang="fr-FR" altLang="fr-FR" smtClean="0"/>
+              <a:rPr lang="fr-FR" altLang="fr-FR"/>
               <a:t>Cette dépendance provient de la couche au dessus donc de la fabrique</a:t>
             </a:r>
           </a:p>
           <a:p>
             <a:pPr lvl="1"/>
             <a:r>
-              <a:rPr lang="fr-FR" altLang="fr-FR" smtClean="0"/>
+              <a:rPr lang="fr-FR" altLang="fr-FR"/>
               <a:t>Comment passer un paramètre à une instance dont on connait pas le type</a:t>
             </a:r>
           </a:p>
           <a:p>
             <a:pPr lvl="1"/>
             <a:r>
-              <a:rPr lang="fr-FR" altLang="fr-FR" smtClean="0"/>
+              <a:rPr lang="fr-FR" altLang="fr-FR"/>
               <a:t>Par une fabrique et par une interface</a:t>
             </a:r>
           </a:p>
@@ -8964,13 +8881,6 @@
   <p:clrMapOvr>
     <a:masterClrMapping/>
   </p:clrMapOvr>
-  <p:timing>
-    <p:tnLst>
-      <p:par>
-        <p:cTn id="1" dur="indefinite" restart="never" nodeType="tmRoot"/>
-      </p:par>
-    </p:tnLst>
-  </p:timing>
 </p:sld>
 </file>
 
@@ -9007,7 +8917,7 @@
           <a:lstStyle/>
           <a:p>
             <a:r>
-              <a:rPr lang="fr-FR" altLang="fr-FR" smtClean="0"/>
+              <a:rPr lang="fr-FR" altLang="fr-FR"/>
               <a:t>Spring Core</a:t>
             </a:r>
           </a:p>
@@ -9034,37 +8944,56 @@
           <a:lstStyle/>
           <a:p>
             <a:r>
-              <a:rPr lang="fr-FR" altLang="fr-FR" smtClean="0"/>
-              <a:t>Spring est le framework IoC le plus répandu</a:t>
+              <a:rPr lang="fr-FR" altLang="fr-FR" dirty="0"/>
+              <a:t>Spring est le </a:t>
+            </a:r>
+            <a:r>
+              <a:rPr lang="fr-FR" altLang="fr-FR" dirty="0" err="1"/>
+              <a:t>framework</a:t>
+            </a:r>
+            <a:r>
+              <a:rPr lang="fr-FR" altLang="fr-FR" dirty="0"/>
+              <a:t> </a:t>
+            </a:r>
+            <a:r>
+              <a:rPr lang="fr-FR" altLang="fr-FR" dirty="0" err="1"/>
+              <a:t>IoC</a:t>
+            </a:r>
+            <a:r>
+              <a:rPr lang="fr-FR" altLang="fr-FR" dirty="0"/>
+              <a:t> le plus répandu</a:t>
             </a:r>
           </a:p>
           <a:p>
             <a:pPr lvl="1"/>
             <a:r>
-              <a:rPr lang="fr-FR" altLang="fr-FR" smtClean="0"/>
+              <a:rPr lang="fr-FR" altLang="fr-FR" dirty="0"/>
               <a:t>Container léger, Open source, très puissant</a:t>
             </a:r>
           </a:p>
           <a:p>
             <a:pPr lvl="1"/>
             <a:r>
-              <a:rPr lang="fr-FR" altLang="fr-FR" smtClean="0"/>
-              <a:t>Un fichier de configuration XML est utilisé</a:t>
-            </a:r>
+              <a:rPr lang="fr-FR" altLang="fr-FR" dirty="0"/>
+              <a:t>Permet de faire de l'</a:t>
+            </a:r>
+            <a:r>
+              <a:rPr lang="fr-FR" altLang="fr-FR" dirty="0" err="1"/>
+              <a:t>IoD</a:t>
+            </a:r>
+            <a:endParaRPr lang="fr-FR" altLang="fr-FR" dirty="0"/>
           </a:p>
           <a:p>
             <a:pPr lvl="1"/>
             <a:r>
-              <a:rPr lang="fr-FR" altLang="fr-FR" smtClean="0"/>
-              <a:t>Permet de faire de l'IoD</a:t>
-            </a:r>
-          </a:p>
-          <a:p>
-            <a:pPr lvl="1"/>
-            <a:r>
-              <a:rPr lang="fr-FR" altLang="fr-FR" smtClean="0"/>
-              <a:t>Spring Core</a:t>
-            </a:r>
+              <a:rPr lang="fr-FR" altLang="fr-FR" dirty="0"/>
+              <a:t>Spring </a:t>
+            </a:r>
+            <a:r>
+              <a:rPr lang="fr-FR" altLang="fr-FR" dirty="0" err="1"/>
+              <a:t>Core</a:t>
+            </a:r>
+            <a:endParaRPr lang="fr-FR" altLang="fr-FR" dirty="0"/>
           </a:p>
         </p:txBody>
       </p:sp>
@@ -9073,13 +9002,6 @@
   <p:clrMapOvr>
     <a:masterClrMapping/>
   </p:clrMapOvr>
-  <p:timing>
-    <p:tnLst>
-      <p:par>
-        <p:cTn id="1" dur="indefinite" restart="never" nodeType="tmRoot"/>
-      </p:par>
-    </p:tnLst>
-  </p:timing>
 </p:sld>
 </file>
 
